--- a/res/Java_8_Neuerungen_2.pptx
+++ b/res/Java_8_Neuerungen_2.pptx
@@ -17,7 +17,8 @@
     <p:sldId id="267" r:id="rId11"/>
     <p:sldId id="263" r:id="rId12"/>
     <p:sldId id="268" r:id="rId13"/>
-    <p:sldId id="257" r:id="rId14"/>
+    <p:sldId id="269" r:id="rId14"/>
+    <p:sldId id="257" r:id="rId15"/>
   </p:sldIdLst>
   <p:sldSz cx="9144000" cy="6858000" type="screen4x3"/>
   <p:notesSz cx="6858000" cy="9144000"/>
@@ -1949,24 +1950,24 @@
     </dgm:pt>
   </dgm:ptLst>
   <dgm:cxnLst>
-    <dgm:cxn modelId="{946FF948-55E0-47BD-9AEF-33321863B3B0}" type="presOf" srcId="{68628799-B8D6-4C20-BE99-ADF6197A6129}" destId="{56D44C64-33B6-4623-8684-634A378ABF8E}" srcOrd="0" destOrd="0" presId="urn:microsoft.com/office/officeart/2005/8/layout/gear1"/>
+    <dgm:cxn modelId="{959F9BDD-7154-48F2-9BE8-D4CF0CD20CDC}" type="presOf" srcId="{0FA93451-E1D0-4EE2-B567-2B3A7F8C7C48}" destId="{6C6BF556-0A0E-4434-835A-BA9113182F24}" srcOrd="1" destOrd="0" presId="urn:microsoft.com/office/officeart/2005/8/layout/gear1"/>
+    <dgm:cxn modelId="{54E50247-4062-44E3-B2D6-F4B5569C71C4}" srcId="{4401DE04-F170-4B9C-91C7-326543F5A6B6}" destId="{68628799-B8D6-4C20-BE99-ADF6197A6129}" srcOrd="2" destOrd="0" parTransId="{1E0AF607-2DB5-4A6D-AC13-77E4FC83420E}" sibTransId="{2C6E2ECD-965D-42A3-B2F5-D201402D2324}"/>
+    <dgm:cxn modelId="{CF3EEA7D-FC8C-44E7-BDC6-111EF747EC03}" type="presOf" srcId="{0FA93451-E1D0-4EE2-B567-2B3A7F8C7C48}" destId="{5C1000EC-1DD2-4E66-B33E-577CF7D7AA78}" srcOrd="0" destOrd="0" presId="urn:microsoft.com/office/officeart/2005/8/layout/gear1"/>
     <dgm:cxn modelId="{731B35F2-E9AD-412B-AC0C-101AC3A60467}" type="presOf" srcId="{0FA93451-E1D0-4EE2-B567-2B3A7F8C7C48}" destId="{403A4DF8-F0AE-44F3-939F-74666E01E648}" srcOrd="2" destOrd="0" presId="urn:microsoft.com/office/officeart/2005/8/layout/gear1"/>
-    <dgm:cxn modelId="{5A7A6E0B-1C7C-4FFC-A76B-1AD77DC9081B}" srcId="{4401DE04-F170-4B9C-91C7-326543F5A6B6}" destId="{0FA93451-E1D0-4EE2-B567-2B3A7F8C7C48}" srcOrd="0" destOrd="0" parTransId="{1368849B-ACCF-48C1-BC2A-D076B1A067A5}" sibTransId="{6B6D8FDD-0882-4116-9A4D-1C857441BBC2}"/>
-    <dgm:cxn modelId="{CF3EEA7D-FC8C-44E7-BDC6-111EF747EC03}" type="presOf" srcId="{0FA93451-E1D0-4EE2-B567-2B3A7F8C7C48}" destId="{5C1000EC-1DD2-4E66-B33E-577CF7D7AA78}" srcOrd="0" destOrd="0" presId="urn:microsoft.com/office/officeart/2005/8/layout/gear1"/>
     <dgm:cxn modelId="{F5F5B4EA-D4DD-4D2B-947F-9B5F3B5F2876}" srcId="{4401DE04-F170-4B9C-91C7-326543F5A6B6}" destId="{CF551120-156F-4C4E-8793-45A9EE443E8D}" srcOrd="3" destOrd="0" parTransId="{14208972-636B-4AB9-9C14-73DCAE940202}" sibTransId="{D41F23E9-165C-4364-975B-B32D96BBF976}"/>
-    <dgm:cxn modelId="{959F9BDD-7154-48F2-9BE8-D4CF0CD20CDC}" type="presOf" srcId="{0FA93451-E1D0-4EE2-B567-2B3A7F8C7C48}" destId="{6C6BF556-0A0E-4434-835A-BA9113182F24}" srcOrd="1" destOrd="0" presId="urn:microsoft.com/office/officeart/2005/8/layout/gear1"/>
-    <dgm:cxn modelId="{094CF315-FA87-45A0-9AFE-94858F453961}" type="presOf" srcId="{6B6D8FDD-0882-4116-9A4D-1C857441BBC2}" destId="{A2181B2F-3480-4641-A869-A453A00E4D8F}" srcOrd="0" destOrd="0" presId="urn:microsoft.com/office/officeart/2005/8/layout/gear1"/>
-    <dgm:cxn modelId="{53986C0C-34B9-49CF-BC1F-3938C4EB689D}" type="presOf" srcId="{68628799-B8D6-4C20-BE99-ADF6197A6129}" destId="{2B6B938F-6309-4761-8336-C6D639E19E24}" srcOrd="2" destOrd="0" presId="urn:microsoft.com/office/officeart/2005/8/layout/gear1"/>
-    <dgm:cxn modelId="{3E49352B-B6CE-480A-9B39-FC2AE611B16C}" type="presOf" srcId="{669A433C-B176-4F59-9A29-0DF69DC45B10}" destId="{F2A44AFB-B6CF-4283-B9BB-CD21D464C7C4}" srcOrd="0" destOrd="0" presId="urn:microsoft.com/office/officeart/2005/8/layout/gear1"/>
-    <dgm:cxn modelId="{54E50247-4062-44E3-B2D6-F4B5569C71C4}" srcId="{4401DE04-F170-4B9C-91C7-326543F5A6B6}" destId="{68628799-B8D6-4C20-BE99-ADF6197A6129}" srcOrd="2" destOrd="0" parTransId="{1E0AF607-2DB5-4A6D-AC13-77E4FC83420E}" sibTransId="{2C6E2ECD-965D-42A3-B2F5-D201402D2324}"/>
     <dgm:cxn modelId="{1CB73DBA-AC3A-4783-9097-2D5F7B9D2BE9}" type="presOf" srcId="{669A433C-B176-4F59-9A29-0DF69DC45B10}" destId="{D55184B0-FEAB-4A23-A3CA-4DCBD2487F37}" srcOrd="2" destOrd="0" presId="urn:microsoft.com/office/officeart/2005/8/layout/gear1"/>
     <dgm:cxn modelId="{44B9315A-E3F5-438E-BDC3-7D13DC293F72}" type="presOf" srcId="{2C6E2ECD-965D-42A3-B2F5-D201402D2324}" destId="{ADD0E052-4ECC-4078-BA76-D60859226F77}" srcOrd="0" destOrd="0" presId="urn:microsoft.com/office/officeart/2005/8/layout/gear1"/>
+    <dgm:cxn modelId="{477CCF74-99B6-4F6E-A6C8-3890B6065AEF}" type="presOf" srcId="{68628799-B8D6-4C20-BE99-ADF6197A6129}" destId="{06CC79CC-BDD4-482B-B7D6-2C553CC5820F}" srcOrd="1" destOrd="0" presId="urn:microsoft.com/office/officeart/2005/8/layout/gear1"/>
+    <dgm:cxn modelId="{7BCFC55F-3E76-432F-A43A-B707DF9CD605}" type="presOf" srcId="{669A433C-B176-4F59-9A29-0DF69DC45B10}" destId="{A5AE58F3-476A-4DA2-B045-006254D34C78}" srcOrd="1" destOrd="0" presId="urn:microsoft.com/office/officeart/2005/8/layout/gear1"/>
+    <dgm:cxn modelId="{C22C9B47-DEDD-401A-BFC8-972801148516}" type="presOf" srcId="{4401DE04-F170-4B9C-91C7-326543F5A6B6}" destId="{83F918DE-2378-4ADC-AC1C-3BEE83D4E19F}" srcOrd="0" destOrd="0" presId="urn:microsoft.com/office/officeart/2005/8/layout/gear1"/>
+    <dgm:cxn modelId="{DD3AD257-244D-459C-8623-DCB34ED91080}" type="presOf" srcId="{E917853C-A2BF-4D57-9304-7A4711679C87}" destId="{8CE9CE32-C39F-48A6-A583-7AEDF45C8F7C}" srcOrd="0" destOrd="0" presId="urn:microsoft.com/office/officeart/2005/8/layout/gear1"/>
+    <dgm:cxn modelId="{094CF315-FA87-45A0-9AFE-94858F453961}" type="presOf" srcId="{6B6D8FDD-0882-4116-9A4D-1C857441BBC2}" destId="{A2181B2F-3480-4641-A869-A453A00E4D8F}" srcOrd="0" destOrd="0" presId="urn:microsoft.com/office/officeart/2005/8/layout/gear1"/>
+    <dgm:cxn modelId="{F584E2E9-D53B-47BA-AB81-DB597691DFAB}" type="presOf" srcId="{68628799-B8D6-4C20-BE99-ADF6197A6129}" destId="{04A4AB52-AED4-43A2-B2A4-85CC82E42043}" srcOrd="3" destOrd="0" presId="urn:microsoft.com/office/officeart/2005/8/layout/gear1"/>
+    <dgm:cxn modelId="{5A7A6E0B-1C7C-4FFC-A76B-1AD77DC9081B}" srcId="{4401DE04-F170-4B9C-91C7-326543F5A6B6}" destId="{0FA93451-E1D0-4EE2-B567-2B3A7F8C7C48}" srcOrd="0" destOrd="0" parTransId="{1368849B-ACCF-48C1-BC2A-D076B1A067A5}" sibTransId="{6B6D8FDD-0882-4116-9A4D-1C857441BBC2}"/>
+    <dgm:cxn modelId="{3E49352B-B6CE-480A-9B39-FC2AE611B16C}" type="presOf" srcId="{669A433C-B176-4F59-9A29-0DF69DC45B10}" destId="{F2A44AFB-B6CF-4283-B9BB-CD21D464C7C4}" srcOrd="0" destOrd="0" presId="urn:microsoft.com/office/officeart/2005/8/layout/gear1"/>
+    <dgm:cxn modelId="{946FF948-55E0-47BD-9AEF-33321863B3B0}" type="presOf" srcId="{68628799-B8D6-4C20-BE99-ADF6197A6129}" destId="{56D44C64-33B6-4623-8684-634A378ABF8E}" srcOrd="0" destOrd="0" presId="urn:microsoft.com/office/officeart/2005/8/layout/gear1"/>
     <dgm:cxn modelId="{6245C5FC-1518-4FE2-9A2F-5C14D5EF2B07}" srcId="{4401DE04-F170-4B9C-91C7-326543F5A6B6}" destId="{669A433C-B176-4F59-9A29-0DF69DC45B10}" srcOrd="1" destOrd="0" parTransId="{AFFC3327-3CC0-48D5-AFED-9A1E43381A22}" sibTransId="{E917853C-A2BF-4D57-9304-7A4711679C87}"/>
-    <dgm:cxn modelId="{DD3AD257-244D-459C-8623-DCB34ED91080}" type="presOf" srcId="{E917853C-A2BF-4D57-9304-7A4711679C87}" destId="{8CE9CE32-C39F-48A6-A583-7AEDF45C8F7C}" srcOrd="0" destOrd="0" presId="urn:microsoft.com/office/officeart/2005/8/layout/gear1"/>
-    <dgm:cxn modelId="{C22C9B47-DEDD-401A-BFC8-972801148516}" type="presOf" srcId="{4401DE04-F170-4B9C-91C7-326543F5A6B6}" destId="{83F918DE-2378-4ADC-AC1C-3BEE83D4E19F}" srcOrd="0" destOrd="0" presId="urn:microsoft.com/office/officeart/2005/8/layout/gear1"/>
-    <dgm:cxn modelId="{F584E2E9-D53B-47BA-AB81-DB597691DFAB}" type="presOf" srcId="{68628799-B8D6-4C20-BE99-ADF6197A6129}" destId="{04A4AB52-AED4-43A2-B2A4-85CC82E42043}" srcOrd="3" destOrd="0" presId="urn:microsoft.com/office/officeart/2005/8/layout/gear1"/>
-    <dgm:cxn modelId="{7BCFC55F-3E76-432F-A43A-B707DF9CD605}" type="presOf" srcId="{669A433C-B176-4F59-9A29-0DF69DC45B10}" destId="{A5AE58F3-476A-4DA2-B045-006254D34C78}" srcOrd="1" destOrd="0" presId="urn:microsoft.com/office/officeart/2005/8/layout/gear1"/>
-    <dgm:cxn modelId="{477CCF74-99B6-4F6E-A6C8-3890B6065AEF}" type="presOf" srcId="{68628799-B8D6-4C20-BE99-ADF6197A6129}" destId="{06CC79CC-BDD4-482B-B7D6-2C553CC5820F}" srcOrd="1" destOrd="0" presId="urn:microsoft.com/office/officeart/2005/8/layout/gear1"/>
+    <dgm:cxn modelId="{53986C0C-34B9-49CF-BC1F-3938C4EB689D}" type="presOf" srcId="{68628799-B8D6-4C20-BE99-ADF6197A6129}" destId="{2B6B938F-6309-4761-8336-C6D639E19E24}" srcOrd="2" destOrd="0" presId="urn:microsoft.com/office/officeart/2005/8/layout/gear1"/>
     <dgm:cxn modelId="{F47CCF9E-C9AB-45F0-97C1-908C2B92F18D}" type="presParOf" srcId="{83F918DE-2378-4ADC-AC1C-3BEE83D4E19F}" destId="{5C1000EC-1DD2-4E66-B33E-577CF7D7AA78}" srcOrd="0" destOrd="0" presId="urn:microsoft.com/office/officeart/2005/8/layout/gear1"/>
     <dgm:cxn modelId="{D5B8C4E9-BB86-424A-981E-B5B0C0463DAD}" type="presParOf" srcId="{83F918DE-2378-4ADC-AC1C-3BEE83D4E19F}" destId="{6C6BF556-0A0E-4434-835A-BA9113182F24}" srcOrd="1" destOrd="0" presId="urn:microsoft.com/office/officeart/2005/8/layout/gear1"/>
     <dgm:cxn modelId="{877EBDFB-BF55-4117-8E2B-7AB61860F87D}" type="presParOf" srcId="{83F918DE-2378-4ADC-AC1C-3BEE83D4E19F}" destId="{403A4DF8-F0AE-44F3-939F-74666E01E648}" srcOrd="2" destOrd="0" presId="urn:microsoft.com/office/officeart/2005/8/layout/gear1"/>
@@ -2258,6 +2259,13 @@
         </dgm:presLayoutVars>
       </dgm:prSet>
       <dgm:spPr/>
+      <dgm:t>
+        <a:bodyPr/>
+        <a:lstStyle/>
+        <a:p>
+          <a:endParaRPr lang="de-DE"/>
+        </a:p>
+      </dgm:t>
     </dgm:pt>
     <dgm:pt modelId="{577963C5-E062-4A77-A1BA-E82B92EC905E}" type="pres">
       <dgm:prSet presAssocID="{F32B119D-083B-4EC4-BA2B-10E39075982D}" presName="root" presStyleCnt="0"/>
@@ -2281,6 +2289,13 @@
     <dgm:pt modelId="{026829E9-9A73-480F-A6B7-F8B63898EF25}" type="pres">
       <dgm:prSet presAssocID="{F32B119D-083B-4EC4-BA2B-10E39075982D}" presName="rootConnector" presStyleLbl="node1" presStyleIdx="0" presStyleCnt="2"/>
       <dgm:spPr/>
+      <dgm:t>
+        <a:bodyPr/>
+        <a:lstStyle/>
+        <a:p>
+          <a:endParaRPr lang="de-DE"/>
+        </a:p>
+      </dgm:t>
     </dgm:pt>
     <dgm:pt modelId="{2AD25FF9-514B-406B-9FD2-EDBE07EAFCDC}" type="pres">
       <dgm:prSet presAssocID="{F32B119D-083B-4EC4-BA2B-10E39075982D}" presName="childShape" presStyleCnt="0"/>
@@ -2289,6 +2304,13 @@
     <dgm:pt modelId="{7E837F99-7643-42B8-A415-5D651016A6FE}" type="pres">
       <dgm:prSet presAssocID="{50520811-242B-4CC5-AC4E-9CA4BFCE09DC}" presName="Name13" presStyleLbl="parChTrans1D2" presStyleIdx="0" presStyleCnt="4"/>
       <dgm:spPr/>
+      <dgm:t>
+        <a:bodyPr/>
+        <a:lstStyle/>
+        <a:p>
+          <a:endParaRPr lang="de-DE"/>
+        </a:p>
+      </dgm:t>
     </dgm:pt>
     <dgm:pt modelId="{936504CF-5D2C-4344-9521-1454B8E5EB82}" type="pres">
       <dgm:prSet presAssocID="{F5532DAA-A1AF-4299-99AB-5BF8C79E626F}" presName="childText" presStyleLbl="bgAcc1" presStyleIdx="0" presStyleCnt="4">
@@ -2308,6 +2330,13 @@
     <dgm:pt modelId="{C0D93A26-526D-49B1-8311-26A475616430}" type="pres">
       <dgm:prSet presAssocID="{0EEB0DD6-C605-4797-A515-92E8C374370E}" presName="Name13" presStyleLbl="parChTrans1D2" presStyleIdx="1" presStyleCnt="4"/>
       <dgm:spPr/>
+      <dgm:t>
+        <a:bodyPr/>
+        <a:lstStyle/>
+        <a:p>
+          <a:endParaRPr lang="de-DE"/>
+        </a:p>
+      </dgm:t>
     </dgm:pt>
     <dgm:pt modelId="{CB260B6F-C605-4F48-A6A1-A0A8299778B3}" type="pres">
       <dgm:prSet presAssocID="{BB35801D-3512-4722-8708-4290D054DC3D}" presName="childText" presStyleLbl="bgAcc1" presStyleIdx="1" presStyleCnt="4">
@@ -2346,6 +2375,13 @@
     <dgm:pt modelId="{884BED0B-E394-4BE0-9551-618DC812106C}" type="pres">
       <dgm:prSet presAssocID="{B7FA8B2C-8F24-4F0A-A66B-C6E63A1C7392}" presName="rootConnector" presStyleLbl="node1" presStyleIdx="1" presStyleCnt="2"/>
       <dgm:spPr/>
+      <dgm:t>
+        <a:bodyPr/>
+        <a:lstStyle/>
+        <a:p>
+          <a:endParaRPr lang="de-DE"/>
+        </a:p>
+      </dgm:t>
     </dgm:pt>
     <dgm:pt modelId="{7B41D054-BA97-4BE8-80E3-BE9045EC254E}" type="pres">
       <dgm:prSet presAssocID="{B7FA8B2C-8F24-4F0A-A66B-C6E63A1C7392}" presName="childShape" presStyleCnt="0"/>
@@ -2354,6 +2390,13 @@
     <dgm:pt modelId="{CE1599B9-310C-4C55-B3D0-9F52CA581722}" type="pres">
       <dgm:prSet presAssocID="{F1B90946-425E-4646-8D99-4046377269C3}" presName="Name13" presStyleLbl="parChTrans1D2" presStyleIdx="2" presStyleCnt="4"/>
       <dgm:spPr/>
+      <dgm:t>
+        <a:bodyPr/>
+        <a:lstStyle/>
+        <a:p>
+          <a:endParaRPr lang="de-DE"/>
+        </a:p>
+      </dgm:t>
     </dgm:pt>
     <dgm:pt modelId="{D64DC61D-7B72-47CA-B8C8-B160E133DA53}" type="pres">
       <dgm:prSet presAssocID="{FD3089F7-08B7-4537-BBD9-36A660A8FCF7}" presName="childText" presStyleLbl="bgAcc1" presStyleIdx="2" presStyleCnt="4">
@@ -2373,6 +2416,13 @@
     <dgm:pt modelId="{4A05484A-CA52-46DA-A8EC-0137971A9BB7}" type="pres">
       <dgm:prSet presAssocID="{306B5396-441F-496A-922A-C5187CAE33CB}" presName="Name13" presStyleLbl="parChTrans1D2" presStyleIdx="3" presStyleCnt="4"/>
       <dgm:spPr/>
+      <dgm:t>
+        <a:bodyPr/>
+        <a:lstStyle/>
+        <a:p>
+          <a:endParaRPr lang="de-DE"/>
+        </a:p>
+      </dgm:t>
     </dgm:pt>
     <dgm:pt modelId="{2168AE6E-6363-4FE5-ADD1-B00436BAE5EB}" type="pres">
       <dgm:prSet presAssocID="{279B5495-D5BA-42F3-8437-C5FFE20F8A0E}" presName="childText" presStyleLbl="bgAcc1" presStyleIdx="3" presStyleCnt="4" custLinFactNeighborX="1512" custLinFactNeighborY="-2552">
@@ -2397,18 +2447,18 @@
     <dgm:cxn modelId="{1A3326AF-EF1D-4C1A-BA5A-043BB11C1FF3}" type="presOf" srcId="{B7FA8B2C-8F24-4F0A-A66B-C6E63A1C7392}" destId="{811C378A-F8CA-4638-A94C-CDB7BF4373A9}" srcOrd="0" destOrd="0" presId="urn:microsoft.com/office/officeart/2005/8/layout/hierarchy3"/>
     <dgm:cxn modelId="{52C9B203-95E0-4D1C-8080-D135C0C938A4}" type="presOf" srcId="{F1B90946-425E-4646-8D99-4046377269C3}" destId="{CE1599B9-310C-4C55-B3D0-9F52CA581722}" srcOrd="0" destOrd="0" presId="urn:microsoft.com/office/officeart/2005/8/layout/hierarchy3"/>
     <dgm:cxn modelId="{DAFFB08C-1EC9-4E89-B401-605C8A7C3241}" type="presOf" srcId="{FD3089F7-08B7-4537-BBD9-36A660A8FCF7}" destId="{D64DC61D-7B72-47CA-B8C8-B160E133DA53}" srcOrd="0" destOrd="0" presId="urn:microsoft.com/office/officeart/2005/8/layout/hierarchy3"/>
+    <dgm:cxn modelId="{BEA0139B-E0B0-47D4-957C-19C946DC40C7}" type="presOf" srcId="{BB35801D-3512-4722-8708-4290D054DC3D}" destId="{CB260B6F-C605-4F48-A6A1-A0A8299778B3}" srcOrd="0" destOrd="0" presId="urn:microsoft.com/office/officeart/2005/8/layout/hierarchy3"/>
     <dgm:cxn modelId="{4AF15110-DA15-4977-8D60-AD0E4AE1075B}" type="presOf" srcId="{50520811-242B-4CC5-AC4E-9CA4BFCE09DC}" destId="{7E837F99-7643-42B8-A415-5D651016A6FE}" srcOrd="0" destOrd="0" presId="urn:microsoft.com/office/officeart/2005/8/layout/hierarchy3"/>
-    <dgm:cxn modelId="{BEA0139B-E0B0-47D4-957C-19C946DC40C7}" type="presOf" srcId="{BB35801D-3512-4722-8708-4290D054DC3D}" destId="{CB260B6F-C605-4F48-A6A1-A0A8299778B3}" srcOrd="0" destOrd="0" presId="urn:microsoft.com/office/officeart/2005/8/layout/hierarchy3"/>
     <dgm:cxn modelId="{C36461A7-F6A8-4ED3-A5E9-BD341CA1D874}" type="presOf" srcId="{F32B119D-083B-4EC4-BA2B-10E39075982D}" destId="{026829E9-9A73-480F-A6B7-F8B63898EF25}" srcOrd="1" destOrd="0" presId="urn:microsoft.com/office/officeart/2005/8/layout/hierarchy3"/>
     <dgm:cxn modelId="{0FA31AE8-F5A5-45DE-B7D1-343B5FF4FA9D}" type="presOf" srcId="{726AB78E-E6AD-4268-9F07-7A65D894D9B0}" destId="{2448F313-1793-481D-87F0-357895CF119E}" srcOrd="0" destOrd="0" presId="urn:microsoft.com/office/officeart/2005/8/layout/hierarchy3"/>
     <dgm:cxn modelId="{0AE17885-FA44-4ED8-A616-4FD0E3170BA8}" type="presOf" srcId="{B7FA8B2C-8F24-4F0A-A66B-C6E63A1C7392}" destId="{884BED0B-E394-4BE0-9551-618DC812106C}" srcOrd="1" destOrd="0" presId="urn:microsoft.com/office/officeart/2005/8/layout/hierarchy3"/>
     <dgm:cxn modelId="{C82B94F6-0F88-48B2-84B6-867CEA52833F}" srcId="{B7FA8B2C-8F24-4F0A-A66B-C6E63A1C7392}" destId="{FD3089F7-08B7-4537-BBD9-36A660A8FCF7}" srcOrd="0" destOrd="0" parTransId="{F1B90946-425E-4646-8D99-4046377269C3}" sibTransId="{445765C0-EAF1-4787-A822-177F6709A892}"/>
     <dgm:cxn modelId="{71FBC949-484F-45E9-A3F0-43CC0F8FEE33}" srcId="{B7FA8B2C-8F24-4F0A-A66B-C6E63A1C7392}" destId="{279B5495-D5BA-42F3-8437-C5FFE20F8A0E}" srcOrd="1" destOrd="0" parTransId="{306B5396-441F-496A-922A-C5187CAE33CB}" sibTransId="{746539FD-2FCB-443D-AB64-345FEAF3B524}"/>
+    <dgm:cxn modelId="{31FC6CBC-8DF8-4D8D-B8A3-2D0EAC519F65}" srcId="{726AB78E-E6AD-4268-9F07-7A65D894D9B0}" destId="{B7FA8B2C-8F24-4F0A-A66B-C6E63A1C7392}" srcOrd="1" destOrd="0" parTransId="{582C2D1E-3962-4B5B-B197-2F267963450A}" sibTransId="{AFF39BED-E8C9-4CA3-BF55-D94E07DD4159}"/>
     <dgm:cxn modelId="{1DD3138F-679F-42F1-B8A3-EAF0EA8A9CDE}" type="presOf" srcId="{F5532DAA-A1AF-4299-99AB-5BF8C79E626F}" destId="{936504CF-5D2C-4344-9521-1454B8E5EB82}" srcOrd="0" destOrd="0" presId="urn:microsoft.com/office/officeart/2005/8/layout/hierarchy3"/>
-    <dgm:cxn modelId="{31FC6CBC-8DF8-4D8D-B8A3-2D0EAC519F65}" srcId="{726AB78E-E6AD-4268-9F07-7A65D894D9B0}" destId="{B7FA8B2C-8F24-4F0A-A66B-C6E63A1C7392}" srcOrd="1" destOrd="0" parTransId="{582C2D1E-3962-4B5B-B197-2F267963450A}" sibTransId="{AFF39BED-E8C9-4CA3-BF55-D94E07DD4159}"/>
     <dgm:cxn modelId="{A0463643-2F8C-4C43-AD17-AFCEDC26B3B2}" type="presOf" srcId="{279B5495-D5BA-42F3-8437-C5FFE20F8A0E}" destId="{2168AE6E-6363-4FE5-ADD1-B00436BAE5EB}" srcOrd="0" destOrd="0" presId="urn:microsoft.com/office/officeart/2005/8/layout/hierarchy3"/>
+    <dgm:cxn modelId="{D358BC47-AF50-41C7-882D-0904922610E7}" type="presOf" srcId="{0EEB0DD6-C605-4797-A515-92E8C374370E}" destId="{C0D93A26-526D-49B1-8311-26A475616430}" srcOrd="0" destOrd="0" presId="urn:microsoft.com/office/officeart/2005/8/layout/hierarchy3"/>
     <dgm:cxn modelId="{147D6FB0-4A86-46F8-B849-6947A80DF592}" srcId="{726AB78E-E6AD-4268-9F07-7A65D894D9B0}" destId="{F32B119D-083B-4EC4-BA2B-10E39075982D}" srcOrd="0" destOrd="0" parTransId="{24741C6C-F6BF-4AE8-AE4E-6A425B05163E}" sibTransId="{19A3CD35-0EF0-4A95-9ECC-5812CAE39B22}"/>
-    <dgm:cxn modelId="{D358BC47-AF50-41C7-882D-0904922610E7}" type="presOf" srcId="{0EEB0DD6-C605-4797-A515-92E8C374370E}" destId="{C0D93A26-526D-49B1-8311-26A475616430}" srcOrd="0" destOrd="0" presId="urn:microsoft.com/office/officeart/2005/8/layout/hierarchy3"/>
     <dgm:cxn modelId="{A70239ED-E168-4135-885D-9D0793163EF6}" srcId="{F32B119D-083B-4EC4-BA2B-10E39075982D}" destId="{F5532DAA-A1AF-4299-99AB-5BF8C79E626F}" srcOrd="0" destOrd="0" parTransId="{50520811-242B-4CC5-AC4E-9CA4BFCE09DC}" sibTransId="{5371A412-DBBF-4079-8BDF-54A9BEF92B00}"/>
     <dgm:cxn modelId="{0FDABFE5-4E04-4441-A0E6-F8B7565D02F7}" type="presParOf" srcId="{2448F313-1793-481D-87F0-357895CF119E}" destId="{577963C5-E062-4A77-A1BA-E82B92EC905E}" srcOrd="0" destOrd="0" presId="urn:microsoft.com/office/officeart/2005/8/layout/hierarchy3"/>
     <dgm:cxn modelId="{D78B7C27-6BD8-4F53-9B22-EF3F5A37382F}" type="presParOf" srcId="{577963C5-E062-4A77-A1BA-E82B92EC905E}" destId="{8069229A-8456-469D-A658-7473140889B4}" srcOrd="0" destOrd="0" presId="urn:microsoft.com/office/officeart/2005/8/layout/hierarchy3"/>
@@ -6556,7 +6606,7 @@
           <a:p>
             <a:fld id="{8BBC7C32-B2C6-4784-8E38-AF79FF3C34F1}" type="datetimeFigureOut">
               <a:rPr lang="de-DE" smtClean="0"/>
-              <a:t>28.02.2016</a:t>
+              <a:t>29.02.2016</a:t>
             </a:fld>
             <a:endParaRPr lang="de-DE"/>
           </a:p>
@@ -7425,7 +7475,7 @@
           <a:p>
             <a:fld id="{8BBC7C32-B2C6-4784-8E38-AF79FF3C34F1}" type="datetimeFigureOut">
               <a:rPr lang="de-DE" smtClean="0"/>
-              <a:t>28.02.2016</a:t>
+              <a:t>29.02.2016</a:t>
             </a:fld>
             <a:endParaRPr lang="de-DE"/>
           </a:p>
@@ -7600,7 +7650,7 @@
           <a:p>
             <a:fld id="{8BBC7C32-B2C6-4784-8E38-AF79FF3C34F1}" type="datetimeFigureOut">
               <a:rPr lang="de-DE" smtClean="0"/>
-              <a:t>28.02.2016</a:t>
+              <a:t>29.02.2016</a:t>
             </a:fld>
             <a:endParaRPr lang="de-DE"/>
           </a:p>
@@ -7770,7 +7820,7 @@
           <a:p>
             <a:fld id="{8BBC7C32-B2C6-4784-8E38-AF79FF3C34F1}" type="datetimeFigureOut">
               <a:rPr lang="de-DE" smtClean="0"/>
-              <a:t>28.02.2016</a:t>
+              <a:t>29.02.2016</a:t>
             </a:fld>
             <a:endParaRPr lang="de-DE"/>
           </a:p>
@@ -7980,7 +8030,7 @@
           <a:p>
             <a:fld id="{8BBC7C32-B2C6-4784-8E38-AF79FF3C34F1}" type="datetimeFigureOut">
               <a:rPr lang="de-DE" smtClean="0"/>
-              <a:t>28.02.2016</a:t>
+              <a:t>29.02.2016</a:t>
             </a:fld>
             <a:endParaRPr lang="de-DE"/>
           </a:p>
@@ -8794,7 +8844,7 @@
           <a:p>
             <a:fld id="{8BBC7C32-B2C6-4784-8E38-AF79FF3C34F1}" type="datetimeFigureOut">
               <a:rPr lang="de-DE" smtClean="0"/>
-              <a:t>28.02.2016</a:t>
+              <a:t>29.02.2016</a:t>
             </a:fld>
             <a:endParaRPr lang="de-DE"/>
           </a:p>
@@ -9030,7 +9080,7 @@
           <a:p>
             <a:fld id="{8BBC7C32-B2C6-4784-8E38-AF79FF3C34F1}" type="datetimeFigureOut">
               <a:rPr lang="de-DE" smtClean="0"/>
-              <a:t>28.02.2016</a:t>
+              <a:t>29.02.2016</a:t>
             </a:fld>
             <a:endParaRPr lang="de-DE"/>
           </a:p>
@@ -9353,7 +9403,7 @@
           <a:p>
             <a:fld id="{8BBC7C32-B2C6-4784-8E38-AF79FF3C34F1}" type="datetimeFigureOut">
               <a:rPr lang="de-DE" smtClean="0"/>
-              <a:t>28.02.2016</a:t>
+              <a:t>29.02.2016</a:t>
             </a:fld>
             <a:endParaRPr lang="de-DE"/>
           </a:p>
@@ -9443,7 +9493,7 @@
           <a:p>
             <a:fld id="{8BBC7C32-B2C6-4784-8E38-AF79FF3C34F1}" type="datetimeFigureOut">
               <a:rPr lang="de-DE" smtClean="0"/>
-              <a:t>28.02.2016</a:t>
+              <a:t>29.02.2016</a:t>
             </a:fld>
             <a:endParaRPr lang="de-DE"/>
           </a:p>
@@ -9960,7 +10010,7 @@
           <a:p>
             <a:fld id="{8BBC7C32-B2C6-4784-8E38-AF79FF3C34F1}" type="datetimeFigureOut">
               <a:rPr lang="de-DE" smtClean="0"/>
-              <a:t>28.02.2016</a:t>
+              <a:t>29.02.2016</a:t>
             </a:fld>
             <a:endParaRPr lang="de-DE"/>
           </a:p>
@@ -10471,7 +10521,7 @@
           <a:p>
             <a:fld id="{8BBC7C32-B2C6-4784-8E38-AF79FF3C34F1}" type="datetimeFigureOut">
               <a:rPr lang="de-DE" smtClean="0"/>
-              <a:t>28.02.2016</a:t>
+              <a:t>29.02.2016</a:t>
             </a:fld>
             <a:endParaRPr lang="de-DE"/>
           </a:p>
@@ -10716,7 +10766,7 @@
           <a:p>
             <a:fld id="{8BBC7C32-B2C6-4784-8E38-AF79FF3C34F1}" type="datetimeFigureOut">
               <a:rPr lang="de-DE" smtClean="0"/>
-              <a:t>28.02.2016</a:t>
+              <a:t>29.02.2016</a:t>
             </a:fld>
             <a:endParaRPr lang="de-DE"/>
           </a:p>
@@ -12003,6 +12053,149 @@
 </file>
 
 <file path=ppt/slides/slide13.xml><?xml version="1.0" encoding="utf-8"?>
+<p:sld xmlns:a="http://schemas.openxmlformats.org/drawingml/2006/main" xmlns:r="http://schemas.openxmlformats.org/officeDocument/2006/relationships" xmlns:p="http://schemas.openxmlformats.org/presentationml/2006/main">
+  <p:cSld>
+    <p:spTree>
+      <p:nvGrpSpPr>
+        <p:cNvPr id="1" name=""/>
+        <p:cNvGrpSpPr/>
+        <p:nvPr/>
+      </p:nvGrpSpPr>
+      <p:grpSpPr>
+        <a:xfrm>
+          <a:off x="0" y="0"/>
+          <a:ext cx="0" cy="0"/>
+          <a:chOff x="0" y="0"/>
+          <a:chExt cx="0" cy="0"/>
+        </a:xfrm>
+      </p:grpSpPr>
+      <p:sp>
+        <p:nvSpPr>
+          <p:cNvPr id="2" name="Titel 1"/>
+          <p:cNvSpPr>
+            <a:spLocks noGrp="1"/>
+          </p:cNvSpPr>
+          <p:nvPr>
+            <p:ph type="title"/>
+          </p:nvPr>
+        </p:nvSpPr>
+        <p:spPr/>
+        <p:txBody>
+          <a:bodyPr/>
+          <a:lstStyle/>
+          <a:p>
+            <a:r>
+              <a:rPr lang="de-DE" dirty="0" smtClean="0"/>
+              <a:t>Filter-</a:t>
+            </a:r>
+            <a:r>
+              <a:rPr lang="de-DE" dirty="0" err="1" smtClean="0"/>
+              <a:t>Map</a:t>
+            </a:r>
+            <a:r>
+              <a:rPr lang="de-DE" dirty="0" smtClean="0"/>
+              <a:t>-</a:t>
+            </a:r>
+            <a:r>
+              <a:rPr lang="de-DE" dirty="0" err="1" smtClean="0"/>
+              <a:t>Reduce</a:t>
+            </a:r>
+            <a:endParaRPr lang="de-DE" dirty="0"/>
+          </a:p>
+        </p:txBody>
+      </p:sp>
+      <p:sp>
+        <p:nvSpPr>
+          <p:cNvPr id="3" name="Inhaltsplatzhalter 2"/>
+          <p:cNvSpPr>
+            <a:spLocks noGrp="1"/>
+          </p:cNvSpPr>
+          <p:nvPr>
+            <p:ph sz="quarter" idx="1"/>
+          </p:nvPr>
+        </p:nvSpPr>
+        <p:spPr/>
+        <p:txBody>
+          <a:bodyPr/>
+          <a:lstStyle/>
+          <a:p>
+            <a:r>
+              <a:rPr lang="de-DE" dirty="0" smtClean="0"/>
+              <a:t>Spezielle Untermenge des Stream-API</a:t>
+            </a:r>
+          </a:p>
+          <a:p>
+            <a:r>
+              <a:rPr lang="de-DE" dirty="0" smtClean="0"/>
+              <a:t>Aufgabe: Filtern einer Liste von Personen, dabei alle im Juli geborenen ermitteln und diese kommasepariert ausgeben</a:t>
+            </a:r>
+          </a:p>
+          <a:p>
+            <a:pPr lvl="1"/>
+            <a:r>
+              <a:rPr lang="de-DE" dirty="0" smtClean="0"/>
+              <a:t>Filtere auf alle im Juli Geborene</a:t>
+            </a:r>
+          </a:p>
+          <a:p>
+            <a:pPr lvl="1"/>
+            <a:r>
+              <a:rPr lang="de-DE" dirty="0" smtClean="0"/>
+              <a:t>Extrahiere ein Attribut, im Beispiel Namen</a:t>
+            </a:r>
+          </a:p>
+          <a:p>
+            <a:pPr lvl="1"/>
+            <a:r>
+              <a:rPr lang="de-DE" dirty="0" smtClean="0"/>
+              <a:t>Bereite eine kommaseparierte Liste auf</a:t>
+            </a:r>
+          </a:p>
+          <a:p>
+            <a:r>
+              <a:rPr lang="de-DE" dirty="0" smtClean="0"/>
+              <a:t>Bis JDK7: Funktionalität muss programmiert werden</a:t>
+            </a:r>
+          </a:p>
+          <a:p>
+            <a:r>
+              <a:rPr lang="de-DE" dirty="0" smtClean="0"/>
+              <a:t>Ab JDK8: Filter-</a:t>
+            </a:r>
+            <a:r>
+              <a:rPr lang="de-DE" dirty="0" err="1" smtClean="0"/>
+              <a:t>Map</a:t>
+            </a:r>
+            <a:r>
+              <a:rPr lang="de-DE" dirty="0" smtClean="0"/>
+              <a:t>-</a:t>
+            </a:r>
+            <a:r>
+              <a:rPr lang="de-DE" dirty="0" err="1" smtClean="0"/>
+              <a:t>Reduce</a:t>
+            </a:r>
+            <a:r>
+              <a:rPr lang="de-DE" smtClean="0"/>
+              <a:t>-Framework</a:t>
+            </a:r>
+            <a:endParaRPr lang="de-DE" dirty="0"/>
+          </a:p>
+        </p:txBody>
+      </p:sp>
+    </p:spTree>
+    <p:extLst>
+      <p:ext uri="{BB962C8B-B14F-4D97-AF65-F5344CB8AC3E}">
+        <p14:creationId xmlns:p14="http://schemas.microsoft.com/office/powerpoint/2010/main" val="561811177"/>
+      </p:ext>
+    </p:extLst>
+  </p:cSld>
+  <p:clrMapOvr>
+    <a:masterClrMapping/>
+  </p:clrMapOvr>
+</p:sld>
+</file>
+
+<file path=ppt/slides/slide14.xml><?xml version="1.0" encoding="utf-8"?>
 <p:sld xmlns:a="http://schemas.openxmlformats.org/drawingml/2006/main" xmlns:r="http://schemas.openxmlformats.org/officeDocument/2006/relationships" xmlns:p="http://schemas.openxmlformats.org/presentationml/2006/main">
   <p:cSld>
     <p:spTree>

--- a/res/Java_8_Neuerungen_2.pptx
+++ b/res/Java_8_Neuerungen_2.pptx
@@ -1950,24 +1950,24 @@
     </dgm:pt>
   </dgm:ptLst>
   <dgm:cxnLst>
+    <dgm:cxn modelId="{946FF948-55E0-47BD-9AEF-33321863B3B0}" type="presOf" srcId="{68628799-B8D6-4C20-BE99-ADF6197A6129}" destId="{56D44C64-33B6-4623-8684-634A378ABF8E}" srcOrd="0" destOrd="0" presId="urn:microsoft.com/office/officeart/2005/8/layout/gear1"/>
+    <dgm:cxn modelId="{731B35F2-E9AD-412B-AC0C-101AC3A60467}" type="presOf" srcId="{0FA93451-E1D0-4EE2-B567-2B3A7F8C7C48}" destId="{403A4DF8-F0AE-44F3-939F-74666E01E648}" srcOrd="2" destOrd="0" presId="urn:microsoft.com/office/officeart/2005/8/layout/gear1"/>
+    <dgm:cxn modelId="{5A7A6E0B-1C7C-4FFC-A76B-1AD77DC9081B}" srcId="{4401DE04-F170-4B9C-91C7-326543F5A6B6}" destId="{0FA93451-E1D0-4EE2-B567-2B3A7F8C7C48}" srcOrd="0" destOrd="0" parTransId="{1368849B-ACCF-48C1-BC2A-D076B1A067A5}" sibTransId="{6B6D8FDD-0882-4116-9A4D-1C857441BBC2}"/>
+    <dgm:cxn modelId="{CF3EEA7D-FC8C-44E7-BDC6-111EF747EC03}" type="presOf" srcId="{0FA93451-E1D0-4EE2-B567-2B3A7F8C7C48}" destId="{5C1000EC-1DD2-4E66-B33E-577CF7D7AA78}" srcOrd="0" destOrd="0" presId="urn:microsoft.com/office/officeart/2005/8/layout/gear1"/>
+    <dgm:cxn modelId="{F5F5B4EA-D4DD-4D2B-947F-9B5F3B5F2876}" srcId="{4401DE04-F170-4B9C-91C7-326543F5A6B6}" destId="{CF551120-156F-4C4E-8793-45A9EE443E8D}" srcOrd="3" destOrd="0" parTransId="{14208972-636B-4AB9-9C14-73DCAE940202}" sibTransId="{D41F23E9-165C-4364-975B-B32D96BBF976}"/>
     <dgm:cxn modelId="{959F9BDD-7154-48F2-9BE8-D4CF0CD20CDC}" type="presOf" srcId="{0FA93451-E1D0-4EE2-B567-2B3A7F8C7C48}" destId="{6C6BF556-0A0E-4434-835A-BA9113182F24}" srcOrd="1" destOrd="0" presId="urn:microsoft.com/office/officeart/2005/8/layout/gear1"/>
+    <dgm:cxn modelId="{094CF315-FA87-45A0-9AFE-94858F453961}" type="presOf" srcId="{6B6D8FDD-0882-4116-9A4D-1C857441BBC2}" destId="{A2181B2F-3480-4641-A869-A453A00E4D8F}" srcOrd="0" destOrd="0" presId="urn:microsoft.com/office/officeart/2005/8/layout/gear1"/>
+    <dgm:cxn modelId="{53986C0C-34B9-49CF-BC1F-3938C4EB689D}" type="presOf" srcId="{68628799-B8D6-4C20-BE99-ADF6197A6129}" destId="{2B6B938F-6309-4761-8336-C6D639E19E24}" srcOrd="2" destOrd="0" presId="urn:microsoft.com/office/officeart/2005/8/layout/gear1"/>
+    <dgm:cxn modelId="{3E49352B-B6CE-480A-9B39-FC2AE611B16C}" type="presOf" srcId="{669A433C-B176-4F59-9A29-0DF69DC45B10}" destId="{F2A44AFB-B6CF-4283-B9BB-CD21D464C7C4}" srcOrd="0" destOrd="0" presId="urn:microsoft.com/office/officeart/2005/8/layout/gear1"/>
     <dgm:cxn modelId="{54E50247-4062-44E3-B2D6-F4B5569C71C4}" srcId="{4401DE04-F170-4B9C-91C7-326543F5A6B6}" destId="{68628799-B8D6-4C20-BE99-ADF6197A6129}" srcOrd="2" destOrd="0" parTransId="{1E0AF607-2DB5-4A6D-AC13-77E4FC83420E}" sibTransId="{2C6E2ECD-965D-42A3-B2F5-D201402D2324}"/>
-    <dgm:cxn modelId="{CF3EEA7D-FC8C-44E7-BDC6-111EF747EC03}" type="presOf" srcId="{0FA93451-E1D0-4EE2-B567-2B3A7F8C7C48}" destId="{5C1000EC-1DD2-4E66-B33E-577CF7D7AA78}" srcOrd="0" destOrd="0" presId="urn:microsoft.com/office/officeart/2005/8/layout/gear1"/>
-    <dgm:cxn modelId="{731B35F2-E9AD-412B-AC0C-101AC3A60467}" type="presOf" srcId="{0FA93451-E1D0-4EE2-B567-2B3A7F8C7C48}" destId="{403A4DF8-F0AE-44F3-939F-74666E01E648}" srcOrd="2" destOrd="0" presId="urn:microsoft.com/office/officeart/2005/8/layout/gear1"/>
-    <dgm:cxn modelId="{F5F5B4EA-D4DD-4D2B-947F-9B5F3B5F2876}" srcId="{4401DE04-F170-4B9C-91C7-326543F5A6B6}" destId="{CF551120-156F-4C4E-8793-45A9EE443E8D}" srcOrd="3" destOrd="0" parTransId="{14208972-636B-4AB9-9C14-73DCAE940202}" sibTransId="{D41F23E9-165C-4364-975B-B32D96BBF976}"/>
     <dgm:cxn modelId="{1CB73DBA-AC3A-4783-9097-2D5F7B9D2BE9}" type="presOf" srcId="{669A433C-B176-4F59-9A29-0DF69DC45B10}" destId="{D55184B0-FEAB-4A23-A3CA-4DCBD2487F37}" srcOrd="2" destOrd="0" presId="urn:microsoft.com/office/officeart/2005/8/layout/gear1"/>
     <dgm:cxn modelId="{44B9315A-E3F5-438E-BDC3-7D13DC293F72}" type="presOf" srcId="{2C6E2ECD-965D-42A3-B2F5-D201402D2324}" destId="{ADD0E052-4ECC-4078-BA76-D60859226F77}" srcOrd="0" destOrd="0" presId="urn:microsoft.com/office/officeart/2005/8/layout/gear1"/>
+    <dgm:cxn modelId="{6245C5FC-1518-4FE2-9A2F-5C14D5EF2B07}" srcId="{4401DE04-F170-4B9C-91C7-326543F5A6B6}" destId="{669A433C-B176-4F59-9A29-0DF69DC45B10}" srcOrd="1" destOrd="0" parTransId="{AFFC3327-3CC0-48D5-AFED-9A1E43381A22}" sibTransId="{E917853C-A2BF-4D57-9304-7A4711679C87}"/>
+    <dgm:cxn modelId="{DD3AD257-244D-459C-8623-DCB34ED91080}" type="presOf" srcId="{E917853C-A2BF-4D57-9304-7A4711679C87}" destId="{8CE9CE32-C39F-48A6-A583-7AEDF45C8F7C}" srcOrd="0" destOrd="0" presId="urn:microsoft.com/office/officeart/2005/8/layout/gear1"/>
+    <dgm:cxn modelId="{C22C9B47-DEDD-401A-BFC8-972801148516}" type="presOf" srcId="{4401DE04-F170-4B9C-91C7-326543F5A6B6}" destId="{83F918DE-2378-4ADC-AC1C-3BEE83D4E19F}" srcOrd="0" destOrd="0" presId="urn:microsoft.com/office/officeart/2005/8/layout/gear1"/>
+    <dgm:cxn modelId="{F584E2E9-D53B-47BA-AB81-DB597691DFAB}" type="presOf" srcId="{68628799-B8D6-4C20-BE99-ADF6197A6129}" destId="{04A4AB52-AED4-43A2-B2A4-85CC82E42043}" srcOrd="3" destOrd="0" presId="urn:microsoft.com/office/officeart/2005/8/layout/gear1"/>
+    <dgm:cxn modelId="{7BCFC55F-3E76-432F-A43A-B707DF9CD605}" type="presOf" srcId="{669A433C-B176-4F59-9A29-0DF69DC45B10}" destId="{A5AE58F3-476A-4DA2-B045-006254D34C78}" srcOrd="1" destOrd="0" presId="urn:microsoft.com/office/officeart/2005/8/layout/gear1"/>
     <dgm:cxn modelId="{477CCF74-99B6-4F6E-A6C8-3890B6065AEF}" type="presOf" srcId="{68628799-B8D6-4C20-BE99-ADF6197A6129}" destId="{06CC79CC-BDD4-482B-B7D6-2C553CC5820F}" srcOrd="1" destOrd="0" presId="urn:microsoft.com/office/officeart/2005/8/layout/gear1"/>
-    <dgm:cxn modelId="{7BCFC55F-3E76-432F-A43A-B707DF9CD605}" type="presOf" srcId="{669A433C-B176-4F59-9A29-0DF69DC45B10}" destId="{A5AE58F3-476A-4DA2-B045-006254D34C78}" srcOrd="1" destOrd="0" presId="urn:microsoft.com/office/officeart/2005/8/layout/gear1"/>
-    <dgm:cxn modelId="{C22C9B47-DEDD-401A-BFC8-972801148516}" type="presOf" srcId="{4401DE04-F170-4B9C-91C7-326543F5A6B6}" destId="{83F918DE-2378-4ADC-AC1C-3BEE83D4E19F}" srcOrd="0" destOrd="0" presId="urn:microsoft.com/office/officeart/2005/8/layout/gear1"/>
-    <dgm:cxn modelId="{DD3AD257-244D-459C-8623-DCB34ED91080}" type="presOf" srcId="{E917853C-A2BF-4D57-9304-7A4711679C87}" destId="{8CE9CE32-C39F-48A6-A583-7AEDF45C8F7C}" srcOrd="0" destOrd="0" presId="urn:microsoft.com/office/officeart/2005/8/layout/gear1"/>
-    <dgm:cxn modelId="{094CF315-FA87-45A0-9AFE-94858F453961}" type="presOf" srcId="{6B6D8FDD-0882-4116-9A4D-1C857441BBC2}" destId="{A2181B2F-3480-4641-A869-A453A00E4D8F}" srcOrd="0" destOrd="0" presId="urn:microsoft.com/office/officeart/2005/8/layout/gear1"/>
-    <dgm:cxn modelId="{F584E2E9-D53B-47BA-AB81-DB597691DFAB}" type="presOf" srcId="{68628799-B8D6-4C20-BE99-ADF6197A6129}" destId="{04A4AB52-AED4-43A2-B2A4-85CC82E42043}" srcOrd="3" destOrd="0" presId="urn:microsoft.com/office/officeart/2005/8/layout/gear1"/>
-    <dgm:cxn modelId="{5A7A6E0B-1C7C-4FFC-A76B-1AD77DC9081B}" srcId="{4401DE04-F170-4B9C-91C7-326543F5A6B6}" destId="{0FA93451-E1D0-4EE2-B567-2B3A7F8C7C48}" srcOrd="0" destOrd="0" parTransId="{1368849B-ACCF-48C1-BC2A-D076B1A067A5}" sibTransId="{6B6D8FDD-0882-4116-9A4D-1C857441BBC2}"/>
-    <dgm:cxn modelId="{3E49352B-B6CE-480A-9B39-FC2AE611B16C}" type="presOf" srcId="{669A433C-B176-4F59-9A29-0DF69DC45B10}" destId="{F2A44AFB-B6CF-4283-B9BB-CD21D464C7C4}" srcOrd="0" destOrd="0" presId="urn:microsoft.com/office/officeart/2005/8/layout/gear1"/>
-    <dgm:cxn modelId="{946FF948-55E0-47BD-9AEF-33321863B3B0}" type="presOf" srcId="{68628799-B8D6-4C20-BE99-ADF6197A6129}" destId="{56D44C64-33B6-4623-8684-634A378ABF8E}" srcOrd="0" destOrd="0" presId="urn:microsoft.com/office/officeart/2005/8/layout/gear1"/>
-    <dgm:cxn modelId="{6245C5FC-1518-4FE2-9A2F-5C14D5EF2B07}" srcId="{4401DE04-F170-4B9C-91C7-326543F5A6B6}" destId="{669A433C-B176-4F59-9A29-0DF69DC45B10}" srcOrd="1" destOrd="0" parTransId="{AFFC3327-3CC0-48D5-AFED-9A1E43381A22}" sibTransId="{E917853C-A2BF-4D57-9304-7A4711679C87}"/>
-    <dgm:cxn modelId="{53986C0C-34B9-49CF-BC1F-3938C4EB689D}" type="presOf" srcId="{68628799-B8D6-4C20-BE99-ADF6197A6129}" destId="{2B6B938F-6309-4761-8336-C6D639E19E24}" srcOrd="2" destOrd="0" presId="urn:microsoft.com/office/officeart/2005/8/layout/gear1"/>
     <dgm:cxn modelId="{F47CCF9E-C9AB-45F0-97C1-908C2B92F18D}" type="presParOf" srcId="{83F918DE-2378-4ADC-AC1C-3BEE83D4E19F}" destId="{5C1000EC-1DD2-4E66-B33E-577CF7D7AA78}" srcOrd="0" destOrd="0" presId="urn:microsoft.com/office/officeart/2005/8/layout/gear1"/>
     <dgm:cxn modelId="{D5B8C4E9-BB86-424A-981E-B5B0C0463DAD}" type="presParOf" srcId="{83F918DE-2378-4ADC-AC1C-3BEE83D4E19F}" destId="{6C6BF556-0A0E-4434-835A-BA9113182F24}" srcOrd="1" destOrd="0" presId="urn:microsoft.com/office/officeart/2005/8/layout/gear1"/>
     <dgm:cxn modelId="{877EBDFB-BF55-4117-8E2B-7AB61860F87D}" type="presParOf" srcId="{83F918DE-2378-4ADC-AC1C-3BEE83D4E19F}" destId="{403A4DF8-F0AE-44F3-939F-74666E01E648}" srcOrd="2" destOrd="0" presId="urn:microsoft.com/office/officeart/2005/8/layout/gear1"/>
@@ -6606,7 +6606,7 @@
           <a:p>
             <a:fld id="{8BBC7C32-B2C6-4784-8E38-AF79FF3C34F1}" type="datetimeFigureOut">
               <a:rPr lang="de-DE" smtClean="0"/>
-              <a:t>29.02.2016</a:t>
+              <a:t>01.03.2016</a:t>
             </a:fld>
             <a:endParaRPr lang="de-DE"/>
           </a:p>
@@ -7475,7 +7475,7 @@
           <a:p>
             <a:fld id="{8BBC7C32-B2C6-4784-8E38-AF79FF3C34F1}" type="datetimeFigureOut">
               <a:rPr lang="de-DE" smtClean="0"/>
-              <a:t>29.02.2016</a:t>
+              <a:t>01.03.2016</a:t>
             </a:fld>
             <a:endParaRPr lang="de-DE"/>
           </a:p>
@@ -7650,7 +7650,7 @@
           <a:p>
             <a:fld id="{8BBC7C32-B2C6-4784-8E38-AF79FF3C34F1}" type="datetimeFigureOut">
               <a:rPr lang="de-DE" smtClean="0"/>
-              <a:t>29.02.2016</a:t>
+              <a:t>01.03.2016</a:t>
             </a:fld>
             <a:endParaRPr lang="de-DE"/>
           </a:p>
@@ -7820,7 +7820,7 @@
           <a:p>
             <a:fld id="{8BBC7C32-B2C6-4784-8E38-AF79FF3C34F1}" type="datetimeFigureOut">
               <a:rPr lang="de-DE" smtClean="0"/>
-              <a:t>29.02.2016</a:t>
+              <a:t>01.03.2016</a:t>
             </a:fld>
             <a:endParaRPr lang="de-DE"/>
           </a:p>
@@ -8030,7 +8030,7 @@
           <a:p>
             <a:fld id="{8BBC7C32-B2C6-4784-8E38-AF79FF3C34F1}" type="datetimeFigureOut">
               <a:rPr lang="de-DE" smtClean="0"/>
-              <a:t>29.02.2016</a:t>
+              <a:t>01.03.2016</a:t>
             </a:fld>
             <a:endParaRPr lang="de-DE"/>
           </a:p>
@@ -8844,7 +8844,7 @@
           <a:p>
             <a:fld id="{8BBC7C32-B2C6-4784-8E38-AF79FF3C34F1}" type="datetimeFigureOut">
               <a:rPr lang="de-DE" smtClean="0"/>
-              <a:t>29.02.2016</a:t>
+              <a:t>01.03.2016</a:t>
             </a:fld>
             <a:endParaRPr lang="de-DE"/>
           </a:p>
@@ -9080,7 +9080,7 @@
           <a:p>
             <a:fld id="{8BBC7C32-B2C6-4784-8E38-AF79FF3C34F1}" type="datetimeFigureOut">
               <a:rPr lang="de-DE" smtClean="0"/>
-              <a:t>29.02.2016</a:t>
+              <a:t>01.03.2016</a:t>
             </a:fld>
             <a:endParaRPr lang="de-DE"/>
           </a:p>
@@ -9403,7 +9403,7 @@
           <a:p>
             <a:fld id="{8BBC7C32-B2C6-4784-8E38-AF79FF3C34F1}" type="datetimeFigureOut">
               <a:rPr lang="de-DE" smtClean="0"/>
-              <a:t>29.02.2016</a:t>
+              <a:t>01.03.2016</a:t>
             </a:fld>
             <a:endParaRPr lang="de-DE"/>
           </a:p>
@@ -9493,7 +9493,7 @@
           <a:p>
             <a:fld id="{8BBC7C32-B2C6-4784-8E38-AF79FF3C34F1}" type="datetimeFigureOut">
               <a:rPr lang="de-DE" smtClean="0"/>
-              <a:t>29.02.2016</a:t>
+              <a:t>01.03.2016</a:t>
             </a:fld>
             <a:endParaRPr lang="de-DE"/>
           </a:p>
@@ -10010,7 +10010,7 @@
           <a:p>
             <a:fld id="{8BBC7C32-B2C6-4784-8E38-AF79FF3C34F1}" type="datetimeFigureOut">
               <a:rPr lang="de-DE" smtClean="0"/>
-              <a:t>29.02.2016</a:t>
+              <a:t>01.03.2016</a:t>
             </a:fld>
             <a:endParaRPr lang="de-DE"/>
           </a:p>
@@ -10521,7 +10521,7 @@
           <a:p>
             <a:fld id="{8BBC7C32-B2C6-4784-8E38-AF79FF3C34F1}" type="datetimeFigureOut">
               <a:rPr lang="de-DE" smtClean="0"/>
-              <a:t>29.02.2016</a:t>
+              <a:t>01.03.2016</a:t>
             </a:fld>
             <a:endParaRPr lang="de-DE"/>
           </a:p>
@@ -10766,7 +10766,7 @@
           <a:p>
             <a:fld id="{8BBC7C32-B2C6-4784-8E38-AF79FF3C34F1}" type="datetimeFigureOut">
               <a:rPr lang="de-DE" smtClean="0"/>
-              <a:t>29.02.2016</a:t>
+              <a:t>01.03.2016</a:t>
             </a:fld>
             <a:endParaRPr lang="de-DE"/>
           </a:p>
@@ -11500,19 +11500,35 @@
           <a:p>
             <a:pPr lvl="1"/>
             <a:r>
-              <a:rPr lang="de-DE" dirty="0" err="1" smtClean="0"/>
+              <a:rPr lang="de-DE" dirty="0" err="1" smtClean="0">
+                <a:latin typeface="Courier New" panose="02070309020205020404" pitchFamily="49" charset="0"/>
+                <a:cs typeface="Courier New" panose="02070309020205020404" pitchFamily="49" charset="0"/>
+              </a:rPr>
               <a:t>sorted</a:t>
             </a:r>
             <a:r>
+              <a:rPr lang="de-DE" dirty="0" smtClean="0">
+                <a:latin typeface="Courier New" panose="02070309020205020404" pitchFamily="49" charset="0"/>
+                <a:cs typeface="Courier New" panose="02070309020205020404" pitchFamily="49" charset="0"/>
+              </a:rPr>
+              <a:t>()</a:t>
+            </a:r>
+            <a:r>
               <a:rPr lang="de-DE" dirty="0" smtClean="0"/>
-              <a:t>(), </a:t>
-            </a:r>
-            <a:r>
-              <a:rPr lang="de-DE" dirty="0" err="1" smtClean="0"/>
+              <a:t>, </a:t>
+            </a:r>
+            <a:r>
+              <a:rPr lang="de-DE" dirty="0" err="1" smtClean="0">
+                <a:latin typeface="Courier New" panose="02070309020205020404" pitchFamily="49" charset="0"/>
+                <a:cs typeface="Courier New" panose="02070309020205020404" pitchFamily="49" charset="0"/>
+              </a:rPr>
               <a:t>distinct</a:t>
             </a:r>
             <a:r>
-              <a:rPr lang="de-DE" dirty="0" smtClean="0"/>
+              <a:rPr lang="de-DE" dirty="0" smtClean="0">
+                <a:latin typeface="Courier New" panose="02070309020205020404" pitchFamily="49" charset="0"/>
+                <a:cs typeface="Courier New" panose="02070309020205020404" pitchFamily="49" charset="0"/>
+              </a:rPr>
               <a:t>()</a:t>
             </a:r>
           </a:p>
@@ -11529,35 +11545,63 @@
           <a:p>
             <a:pPr lvl="1"/>
             <a:r>
-              <a:rPr lang="de-DE" dirty="0" err="1" smtClean="0"/>
+              <a:rPr lang="de-DE" dirty="0" err="1" smtClean="0">
+                <a:latin typeface="Courier New" panose="02070309020205020404" pitchFamily="49" charset="0"/>
+                <a:cs typeface="Courier New" panose="02070309020205020404" pitchFamily="49" charset="0"/>
+              </a:rPr>
               <a:t>limit</a:t>
             </a:r>
             <a:r>
+              <a:rPr lang="de-DE" dirty="0" smtClean="0">
+                <a:latin typeface="Courier New" panose="02070309020205020404" pitchFamily="49" charset="0"/>
+                <a:cs typeface="Courier New" panose="02070309020205020404" pitchFamily="49" charset="0"/>
+              </a:rPr>
+              <a:t>(</a:t>
+            </a:r>
+            <a:r>
+              <a:rPr lang="de-DE" dirty="0" err="1" smtClean="0">
+                <a:latin typeface="Courier New" panose="02070309020205020404" pitchFamily="49" charset="0"/>
+                <a:cs typeface="Courier New" panose="02070309020205020404" pitchFamily="49" charset="0"/>
+              </a:rPr>
+              <a:t>long</a:t>
+            </a:r>
+            <a:r>
+              <a:rPr lang="de-DE" dirty="0" smtClean="0">
+                <a:latin typeface="Courier New" panose="02070309020205020404" pitchFamily="49" charset="0"/>
+                <a:cs typeface="Courier New" panose="02070309020205020404" pitchFamily="49" charset="0"/>
+              </a:rPr>
+              <a:t>)</a:t>
+            </a:r>
+            <a:r>
               <a:rPr lang="de-DE" dirty="0" smtClean="0"/>
+              <a:t>, </a:t>
+            </a:r>
+            <a:r>
+              <a:rPr lang="de-DE" dirty="0" err="1" smtClean="0">
+                <a:latin typeface="Courier New" panose="02070309020205020404" pitchFamily="49" charset="0"/>
+                <a:cs typeface="Courier New" panose="02070309020205020404" pitchFamily="49" charset="0"/>
+              </a:rPr>
+              <a:t>skip</a:t>
+            </a:r>
+            <a:r>
+              <a:rPr lang="de-DE" dirty="0" smtClean="0">
+                <a:latin typeface="Courier New" panose="02070309020205020404" pitchFamily="49" charset="0"/>
+                <a:cs typeface="Courier New" panose="02070309020205020404" pitchFamily="49" charset="0"/>
+              </a:rPr>
               <a:t>(</a:t>
             </a:r>
             <a:r>
-              <a:rPr lang="de-DE" dirty="0" err="1" smtClean="0"/>
+              <a:rPr lang="de-DE" dirty="0" err="1" smtClean="0">
+                <a:latin typeface="Courier New" panose="02070309020205020404" pitchFamily="49" charset="0"/>
+                <a:cs typeface="Courier New" panose="02070309020205020404" pitchFamily="49" charset="0"/>
+              </a:rPr>
               <a:t>long</a:t>
             </a:r>
             <a:r>
-              <a:rPr lang="de-DE" dirty="0" smtClean="0"/>
-              <a:t>), </a:t>
-            </a:r>
-            <a:r>
-              <a:rPr lang="de-DE" dirty="0" err="1" smtClean="0"/>
-              <a:t>skip</a:t>
-            </a:r>
-            <a:r>
-              <a:rPr lang="de-DE" dirty="0" smtClean="0"/>
-              <a:t>(</a:t>
-            </a:r>
-            <a:r>
-              <a:rPr lang="de-DE" dirty="0" err="1" smtClean="0"/>
-              <a:t>long</a:t>
-            </a:r>
-            <a:r>
-              <a:rPr lang="de-DE" dirty="0" smtClean="0"/>
+              <a:rPr lang="de-DE" dirty="0" smtClean="0">
+                <a:latin typeface="Courier New" panose="02070309020205020404" pitchFamily="49" charset="0"/>
+                <a:cs typeface="Courier New" panose="02070309020205020404" pitchFamily="49" charset="0"/>
+              </a:rPr>
               <a:t>)</a:t>
             </a:r>
           </a:p>
@@ -11601,6 +11645,13 @@
   <p:clrMapOvr>
     <a:masterClrMapping/>
   </p:clrMapOvr>
+  <p:timing>
+    <p:tnLst>
+      <p:par>
+        <p:cTn id="1" dur="indefinite" restart="never" nodeType="tmRoot"/>
+      </p:par>
+    </p:tnLst>
+  </p:timing>
 </p:sld>
 </file>
 
@@ -11683,19 +11734,35 @@
           <a:p>
             <a:pPr lvl="1"/>
             <a:r>
-              <a:rPr lang="de-DE" dirty="0" err="1" smtClean="0"/>
+              <a:rPr lang="de-DE" dirty="0" err="1" smtClean="0">
+                <a:latin typeface="Courier New" panose="02070309020205020404" pitchFamily="49" charset="0"/>
+                <a:cs typeface="Courier New" panose="02070309020205020404" pitchFamily="49" charset="0"/>
+              </a:rPr>
               <a:t>toArray</a:t>
             </a:r>
             <a:r>
+              <a:rPr lang="de-DE" dirty="0" smtClean="0">
+                <a:latin typeface="Courier New" panose="02070309020205020404" pitchFamily="49" charset="0"/>
+                <a:cs typeface="Courier New" panose="02070309020205020404" pitchFamily="49" charset="0"/>
+              </a:rPr>
+              <a:t>()</a:t>
+            </a:r>
+            <a:r>
               <a:rPr lang="de-DE" dirty="0" smtClean="0"/>
-              <a:t>(), </a:t>
-            </a:r>
-            <a:r>
-              <a:rPr lang="de-DE" dirty="0" err="1" smtClean="0"/>
+              <a:t>, </a:t>
+            </a:r>
+            <a:r>
+              <a:rPr lang="de-DE" dirty="0" err="1" smtClean="0">
+                <a:latin typeface="Courier New" panose="02070309020205020404" pitchFamily="49" charset="0"/>
+                <a:cs typeface="Courier New" panose="02070309020205020404" pitchFamily="49" charset="0"/>
+              </a:rPr>
               <a:t>collect</a:t>
             </a:r>
             <a:r>
-              <a:rPr lang="de-DE" dirty="0" smtClean="0"/>
+              <a:rPr lang="de-DE" dirty="0" smtClean="0">
+                <a:latin typeface="Courier New" panose="02070309020205020404" pitchFamily="49" charset="0"/>
+                <a:cs typeface="Courier New" panose="02070309020205020404" pitchFamily="49" charset="0"/>
+              </a:rPr>
               <a:t>()</a:t>
             </a:r>
           </a:p>
@@ -11708,35 +11775,82 @@
           <a:p>
             <a:pPr lvl="1"/>
             <a:r>
-              <a:rPr lang="de-DE" dirty="0" err="1" smtClean="0"/>
+              <a:rPr lang="de-DE" dirty="0" err="1" smtClean="0">
+                <a:latin typeface="Courier New" panose="02070309020205020404" pitchFamily="49" charset="0"/>
+                <a:cs typeface="Courier New" panose="02070309020205020404" pitchFamily="49" charset="0"/>
+              </a:rPr>
               <a:t>count</a:t>
             </a:r>
             <a:r>
+              <a:rPr lang="de-DE" dirty="0" smtClean="0">
+                <a:latin typeface="Courier New" panose="02070309020205020404" pitchFamily="49" charset="0"/>
+                <a:cs typeface="Courier New" panose="02070309020205020404" pitchFamily="49" charset="0"/>
+              </a:rPr>
+              <a:t>()</a:t>
+            </a:r>
+            <a:r>
               <a:rPr lang="de-DE" dirty="0" smtClean="0"/>
-              <a:t>(), </a:t>
-            </a:r>
-            <a:r>
-              <a:rPr lang="de-DE" dirty="0" err="1" smtClean="0"/>
+              <a:t>, </a:t>
+            </a:r>
+            <a:r>
+              <a:rPr lang="de-DE" dirty="0" err="1" smtClean="0">
+                <a:latin typeface="Courier New" panose="02070309020205020404" pitchFamily="49" charset="0"/>
+                <a:cs typeface="Courier New" panose="02070309020205020404" pitchFamily="49" charset="0"/>
+              </a:rPr>
               <a:t>sum</a:t>
             </a:r>
             <a:r>
+              <a:rPr lang="de-DE" dirty="0" smtClean="0">
+                <a:latin typeface="Courier New" panose="02070309020205020404" pitchFamily="49" charset="0"/>
+                <a:cs typeface="Courier New" panose="02070309020205020404" pitchFamily="49" charset="0"/>
+              </a:rPr>
+              <a:t>()</a:t>
+            </a:r>
+            <a:r>
               <a:rPr lang="de-DE" dirty="0" smtClean="0"/>
-              <a:t>(), </a:t>
-            </a:r>
-            <a:r>
-              <a:rPr lang="de-DE" dirty="0" err="1" smtClean="0"/>
+              <a:t>, </a:t>
+            </a:r>
+            <a:r>
+              <a:rPr lang="de-DE" dirty="0" err="1" smtClean="0">
+                <a:latin typeface="Courier New" panose="02070309020205020404" pitchFamily="49" charset="0"/>
+                <a:cs typeface="Courier New" panose="02070309020205020404" pitchFamily="49" charset="0"/>
+              </a:rPr>
               <a:t>average</a:t>
             </a:r>
             <a:r>
+              <a:rPr lang="de-DE" dirty="0" smtClean="0">
+                <a:latin typeface="Courier New" panose="02070309020205020404" pitchFamily="49" charset="0"/>
+                <a:cs typeface="Courier New" panose="02070309020205020404" pitchFamily="49" charset="0"/>
+              </a:rPr>
+              <a:t>()</a:t>
+            </a:r>
+            <a:r>
               <a:rPr lang="de-DE" dirty="0" smtClean="0"/>
-              <a:t>(), min(), </a:t>
-            </a:r>
-            <a:r>
-              <a:rPr lang="de-DE" dirty="0" err="1" smtClean="0"/>
+              <a:t>, </a:t>
+            </a:r>
+            <a:r>
+              <a:rPr lang="de-DE" dirty="0" smtClean="0">
+                <a:latin typeface="Courier New" panose="02070309020205020404" pitchFamily="49" charset="0"/>
+                <a:cs typeface="Courier New" panose="02070309020205020404" pitchFamily="49" charset="0"/>
+              </a:rPr>
+              <a:t>min()</a:t>
+            </a:r>
+            <a:r>
+              <a:rPr lang="de-DE" dirty="0" smtClean="0"/>
+              <a:t>, </a:t>
+            </a:r>
+            <a:r>
+              <a:rPr lang="de-DE" dirty="0" err="1" smtClean="0">
+                <a:latin typeface="Courier New" panose="02070309020205020404" pitchFamily="49" charset="0"/>
+                <a:cs typeface="Courier New" panose="02070309020205020404" pitchFamily="49" charset="0"/>
+              </a:rPr>
               <a:t>max</a:t>
             </a:r>
             <a:r>
-              <a:rPr lang="de-DE" dirty="0" smtClean="0"/>
+              <a:rPr lang="de-DE" dirty="0" smtClean="0">
+                <a:latin typeface="Courier New" panose="02070309020205020404" pitchFamily="49" charset="0"/>
+                <a:cs typeface="Courier New" panose="02070309020205020404" pitchFamily="49" charset="0"/>
+              </a:rPr>
               <a:t>()</a:t>
             </a:r>
           </a:p>
@@ -11749,59 +11863,120 @@
           <a:p>
             <a:pPr lvl="1"/>
             <a:r>
-              <a:rPr lang="de-DE" dirty="0" err="1" smtClean="0"/>
+              <a:rPr lang="de-DE" dirty="0" err="1" smtClean="0">
+                <a:latin typeface="Courier New" panose="02070309020205020404" pitchFamily="49" charset="0"/>
+                <a:cs typeface="Courier New" panose="02070309020205020404" pitchFamily="49" charset="0"/>
+              </a:rPr>
               <a:t>allMatch</a:t>
             </a:r>
             <a:r>
-              <a:rPr lang="de-DE" dirty="0" smtClean="0"/>
+              <a:rPr lang="de-DE" dirty="0" smtClean="0">
+                <a:latin typeface="Courier New" panose="02070309020205020404" pitchFamily="49" charset="0"/>
+                <a:cs typeface="Courier New" panose="02070309020205020404" pitchFamily="49" charset="0"/>
+              </a:rPr>
               <a:t>(</a:t>
             </a:r>
             <a:r>
-              <a:rPr lang="de-DE" dirty="0" err="1" smtClean="0"/>
+              <a:rPr lang="de-DE" dirty="0" err="1" smtClean="0">
+                <a:latin typeface="Courier New" panose="02070309020205020404" pitchFamily="49" charset="0"/>
+                <a:cs typeface="Courier New" panose="02070309020205020404" pitchFamily="49" charset="0"/>
+              </a:rPr>
               <a:t>Predicate</a:t>
             </a:r>
             <a:r>
-              <a:rPr lang="de-DE" dirty="0" smtClean="0"/>
-              <a:t>&lt;? super T&gt;), </a:t>
-            </a:r>
-            <a:r>
-              <a:rPr lang="de-DE" dirty="0" err="1" smtClean="0"/>
+              <a:rPr lang="de-DE" dirty="0" smtClean="0">
+                <a:latin typeface="Courier New" panose="02070309020205020404" pitchFamily="49" charset="0"/>
+                <a:cs typeface="Courier New" panose="02070309020205020404" pitchFamily="49" charset="0"/>
+              </a:rPr>
+              <a:t>&lt;? super T&gt;)</a:t>
+            </a:r>
+            <a:r>
+              <a:rPr lang="de-DE" dirty="0" smtClean="0">
+                <a:cs typeface="Courier New" panose="02070309020205020404" pitchFamily="49" charset="0"/>
+              </a:rPr>
+              <a:t>,</a:t>
+            </a:r>
+            <a:r>
+              <a:rPr lang="de-DE" dirty="0" smtClean="0">
+                <a:latin typeface="Courier New" panose="02070309020205020404" pitchFamily="49" charset="0"/>
+                <a:cs typeface="Courier New" panose="02070309020205020404" pitchFamily="49" charset="0"/>
+              </a:rPr>
+              <a:t> </a:t>
+            </a:r>
+            <a:r>
+              <a:rPr lang="de-DE" dirty="0" err="1" smtClean="0">
+                <a:latin typeface="Courier New" panose="02070309020205020404" pitchFamily="49" charset="0"/>
+                <a:cs typeface="Courier New" panose="02070309020205020404" pitchFamily="49" charset="0"/>
+              </a:rPr>
               <a:t>anyMatch</a:t>
             </a:r>
             <a:r>
-              <a:rPr lang="de-DE" dirty="0" smtClean="0"/>
+              <a:rPr lang="de-DE" dirty="0" smtClean="0">
+                <a:latin typeface="Courier New" panose="02070309020205020404" pitchFamily="49" charset="0"/>
+                <a:cs typeface="Courier New" panose="02070309020205020404" pitchFamily="49" charset="0"/>
+              </a:rPr>
               <a:t>(</a:t>
             </a:r>
             <a:r>
-              <a:rPr lang="de-DE" dirty="0" err="1" smtClean="0"/>
+              <a:rPr lang="de-DE" dirty="0" err="1" smtClean="0">
+                <a:latin typeface="Courier New" panose="02070309020205020404" pitchFamily="49" charset="0"/>
+                <a:cs typeface="Courier New" panose="02070309020205020404" pitchFamily="49" charset="0"/>
+              </a:rPr>
               <a:t>Predicate</a:t>
             </a:r>
             <a:r>
-              <a:rPr lang="de-DE" dirty="0"/>
+              <a:rPr lang="de-DE" dirty="0">
+                <a:latin typeface="Courier New" panose="02070309020205020404" pitchFamily="49" charset="0"/>
+                <a:cs typeface="Courier New" panose="02070309020205020404" pitchFamily="49" charset="0"/>
+              </a:rPr>
               <a:t>&lt;? super T</a:t>
             </a:r>
             <a:r>
-              <a:rPr lang="de-DE" dirty="0" smtClean="0"/>
-              <a:t>&gt;),</a:t>
-            </a:r>
-            <a:r>
-              <a:rPr lang="de-DE" dirty="0"/>
+              <a:rPr lang="de-DE" dirty="0" smtClean="0">
+                <a:latin typeface="Courier New" panose="02070309020205020404" pitchFamily="49" charset="0"/>
+                <a:cs typeface="Courier New" panose="02070309020205020404" pitchFamily="49" charset="0"/>
+              </a:rPr>
+              <a:t>&gt;)</a:t>
+            </a:r>
+            <a:r>
+              <a:rPr lang="de-DE" dirty="0" smtClean="0">
+                <a:cs typeface="Courier New" panose="02070309020205020404" pitchFamily="49" charset="0"/>
+              </a:rPr>
+              <a:t>,</a:t>
+            </a:r>
+            <a:r>
+              <a:rPr lang="de-DE" dirty="0">
+                <a:latin typeface="Courier New" panose="02070309020205020404" pitchFamily="49" charset="0"/>
+                <a:cs typeface="Courier New" panose="02070309020205020404" pitchFamily="49" charset="0"/>
+              </a:rPr>
               <a:t> </a:t>
             </a:r>
             <a:r>
-              <a:rPr lang="de-DE" dirty="0" err="1" smtClean="0"/>
+              <a:rPr lang="de-DE" dirty="0" err="1" smtClean="0">
+                <a:latin typeface="Courier New" panose="02070309020205020404" pitchFamily="49" charset="0"/>
+                <a:cs typeface="Courier New" panose="02070309020205020404" pitchFamily="49" charset="0"/>
+              </a:rPr>
               <a:t>noneMatch</a:t>
             </a:r>
             <a:r>
-              <a:rPr lang="de-DE" dirty="0" smtClean="0"/>
+              <a:rPr lang="de-DE" dirty="0" smtClean="0">
+                <a:latin typeface="Courier New" panose="02070309020205020404" pitchFamily="49" charset="0"/>
+                <a:cs typeface="Courier New" panose="02070309020205020404" pitchFamily="49" charset="0"/>
+              </a:rPr>
               <a:t>(</a:t>
             </a:r>
             <a:r>
-              <a:rPr lang="de-DE" dirty="0" err="1" smtClean="0"/>
+              <a:rPr lang="de-DE" dirty="0" err="1" smtClean="0">
+                <a:latin typeface="Courier New" panose="02070309020205020404" pitchFamily="49" charset="0"/>
+                <a:cs typeface="Courier New" panose="02070309020205020404" pitchFamily="49" charset="0"/>
+              </a:rPr>
               <a:t>Predicate</a:t>
             </a:r>
             <a:r>
-              <a:rPr lang="de-DE" dirty="0"/>
+              <a:rPr lang="de-DE" dirty="0">
+                <a:latin typeface="Courier New" panose="02070309020205020404" pitchFamily="49" charset="0"/>
+                <a:cs typeface="Courier New" panose="02070309020205020404" pitchFamily="49" charset="0"/>
+              </a:rPr>
               <a:t>&lt;? super T&gt;)</a:t>
             </a:r>
           </a:p>
@@ -11905,19 +12080,35 @@
           <a:p>
             <a:pPr lvl="1"/>
             <a:r>
-              <a:rPr lang="de-DE" dirty="0" err="1" smtClean="0"/>
+              <a:rPr lang="de-DE" dirty="0" err="1" smtClean="0">
+                <a:latin typeface="Courier New" panose="02070309020205020404" pitchFamily="49" charset="0"/>
+                <a:cs typeface="Courier New" panose="02070309020205020404" pitchFamily="49" charset="0"/>
+              </a:rPr>
               <a:t>findFirst</a:t>
             </a:r>
             <a:r>
+              <a:rPr lang="de-DE" dirty="0" smtClean="0">
+                <a:latin typeface="Courier New" panose="02070309020205020404" pitchFamily="49" charset="0"/>
+                <a:cs typeface="Courier New" panose="02070309020205020404" pitchFamily="49" charset="0"/>
+              </a:rPr>
+              <a:t>()</a:t>
+            </a:r>
+            <a:r>
               <a:rPr lang="de-DE" dirty="0" smtClean="0"/>
-              <a:t>(), </a:t>
-            </a:r>
-            <a:r>
-              <a:rPr lang="de-DE" dirty="0" err="1" smtClean="0"/>
+              <a:t>, </a:t>
+            </a:r>
+            <a:r>
+              <a:rPr lang="de-DE" dirty="0" err="1" smtClean="0">
+                <a:latin typeface="Courier New" panose="02070309020205020404" pitchFamily="49" charset="0"/>
+                <a:cs typeface="Courier New" panose="02070309020205020404" pitchFamily="49" charset="0"/>
+              </a:rPr>
               <a:t>findAny</a:t>
             </a:r>
             <a:r>
-              <a:rPr lang="de-DE" dirty="0" smtClean="0"/>
+              <a:rPr lang="de-DE" dirty="0" smtClean="0">
+                <a:latin typeface="Courier New" panose="02070309020205020404" pitchFamily="49" charset="0"/>
+                <a:cs typeface="Courier New" panose="02070309020205020404" pitchFamily="49" charset="0"/>
+              </a:rPr>
               <a:t>()</a:t>
             </a:r>
           </a:p>
@@ -11930,27 +12121,47 @@
           <a:p>
             <a:pPr lvl="1"/>
             <a:r>
-              <a:rPr lang="de-DE" dirty="0" err="1" smtClean="0"/>
+              <a:rPr lang="de-DE" dirty="0" err="1" smtClean="0">
+                <a:latin typeface="Courier New" panose="02070309020205020404" pitchFamily="49" charset="0"/>
+                <a:cs typeface="Courier New" panose="02070309020205020404" pitchFamily="49" charset="0"/>
+              </a:rPr>
               <a:t>reduce</a:t>
             </a:r>
             <a:r>
+              <a:rPr lang="de-DE" dirty="0" smtClean="0">
+                <a:latin typeface="Courier New" panose="02070309020205020404" pitchFamily="49" charset="0"/>
+                <a:cs typeface="Courier New" panose="02070309020205020404" pitchFamily="49" charset="0"/>
+              </a:rPr>
+              <a:t>(</a:t>
+            </a:r>
+            <a:r>
+              <a:rPr lang="de-DE" dirty="0" err="1" smtClean="0">
+                <a:latin typeface="Courier New" panose="02070309020205020404" pitchFamily="49" charset="0"/>
+                <a:cs typeface="Courier New" panose="02070309020205020404" pitchFamily="49" charset="0"/>
+              </a:rPr>
+              <a:t>BinaryOperator</a:t>
+            </a:r>
+            <a:r>
+              <a:rPr lang="de-DE" dirty="0" smtClean="0">
+                <a:latin typeface="Courier New" panose="02070309020205020404" pitchFamily="49" charset="0"/>
+                <a:cs typeface="Courier New" panose="02070309020205020404" pitchFamily="49" charset="0"/>
+              </a:rPr>
+              <a:t>&lt;T&gt;)</a:t>
+            </a:r>
+          </a:p>
+          <a:p>
+            <a:pPr lvl="1"/>
+            <a:r>
               <a:rPr lang="de-DE" dirty="0" smtClean="0"/>
-              <a:t>(</a:t>
-            </a:r>
-            <a:r>
-              <a:rPr lang="de-DE" dirty="0" err="1" smtClean="0"/>
-              <a:t>BinaryOperator</a:t>
+              <a:t>Zum </a:t>
             </a:r>
             <a:r>
               <a:rPr lang="de-DE" dirty="0" smtClean="0"/>
-              <a:t>&lt;T&gt;)</a:t>
-            </a:r>
-          </a:p>
-          <a:p>
-            <a:pPr lvl="1"/>
+              <a:t>Zusammenfassen </a:t>
+            </a:r>
             <a:r>
               <a:rPr lang="de-DE" dirty="0" smtClean="0"/>
-              <a:t>Zum zusammenfassen von Elementen gleichen Typs</a:t>
+              <a:t>von Elementen gleichen Typs</a:t>
             </a:r>
           </a:p>
           <a:p>
@@ -11982,41 +12193,98 @@
           <a:p>
             <a:pPr lvl="1"/>
             <a:r>
-              <a:rPr lang="de-DE" dirty="0" err="1"/>
+              <a:rPr lang="de-DE" dirty="0" err="1">
+                <a:latin typeface="Courier New" panose="02070309020205020404" pitchFamily="49" charset="0"/>
+                <a:cs typeface="Courier New" panose="02070309020205020404" pitchFamily="49" charset="0"/>
+              </a:rPr>
               <a:t>j</a:t>
             </a:r>
             <a:r>
-              <a:rPr lang="de-DE" dirty="0" err="1" smtClean="0"/>
+              <a:rPr lang="de-DE" dirty="0" err="1" smtClean="0">
+                <a:latin typeface="Courier New" panose="02070309020205020404" pitchFamily="49" charset="0"/>
+                <a:cs typeface="Courier New" panose="02070309020205020404" pitchFamily="49" charset="0"/>
+              </a:rPr>
               <a:t>oining</a:t>
             </a:r>
             <a:r>
+              <a:rPr lang="de-DE" dirty="0" smtClean="0">
+                <a:latin typeface="Courier New" panose="02070309020205020404" pitchFamily="49" charset="0"/>
+                <a:cs typeface="Courier New" panose="02070309020205020404" pitchFamily="49" charset="0"/>
+              </a:rPr>
+              <a:t>()</a:t>
+            </a:r>
+            <a:r>
               <a:rPr lang="de-DE" dirty="0" smtClean="0"/>
-              <a:t>(), </a:t>
-            </a:r>
-            <a:r>
-              <a:rPr lang="de-DE" dirty="0" err="1" smtClean="0"/>
+              <a:t>, </a:t>
+            </a:r>
+            <a:r>
+              <a:rPr lang="de-DE" dirty="0" err="1" smtClean="0">
+                <a:latin typeface="Courier New" panose="02070309020205020404" pitchFamily="49" charset="0"/>
+                <a:cs typeface="Courier New" panose="02070309020205020404" pitchFamily="49" charset="0"/>
+              </a:rPr>
               <a:t>groupingBy</a:t>
             </a:r>
             <a:r>
+              <a:rPr lang="de-DE" dirty="0" smtClean="0">
+                <a:latin typeface="Courier New" panose="02070309020205020404" pitchFamily="49" charset="0"/>
+                <a:cs typeface="Courier New" panose="02070309020205020404" pitchFamily="49" charset="0"/>
+              </a:rPr>
+              <a:t>()</a:t>
+            </a:r>
+            <a:r>
               <a:rPr lang="de-DE" dirty="0" smtClean="0"/>
-              <a:t>(), </a:t>
-            </a:r>
-            <a:r>
-              <a:rPr lang="de-DE" dirty="0" err="1" smtClean="0"/>
+              <a:t>, </a:t>
+            </a:r>
+            <a:r>
+              <a:rPr lang="de-DE" dirty="0" err="1" smtClean="0">
+                <a:latin typeface="Courier New" panose="02070309020205020404" pitchFamily="49" charset="0"/>
+                <a:cs typeface="Courier New" panose="02070309020205020404" pitchFamily="49" charset="0"/>
+              </a:rPr>
               <a:t>counting</a:t>
             </a:r>
             <a:r>
+              <a:rPr lang="de-DE" dirty="0" smtClean="0">
+                <a:latin typeface="Courier New" panose="02070309020205020404" pitchFamily="49" charset="0"/>
+                <a:cs typeface="Courier New" panose="02070309020205020404" pitchFamily="49" charset="0"/>
+              </a:rPr>
+              <a:t>()</a:t>
+            </a:r>
+            <a:r>
               <a:rPr lang="de-DE" dirty="0" smtClean="0"/>
-              <a:t>(), </a:t>
-            </a:r>
-            <a:r>
-              <a:rPr lang="de-DE" dirty="0" err="1" smtClean="0"/>
+              <a:t>, </a:t>
+            </a:r>
+            <a:r>
+              <a:rPr lang="de-DE" dirty="0" err="1" smtClean="0">
+                <a:latin typeface="Courier New" panose="02070309020205020404" pitchFamily="49" charset="0"/>
+                <a:cs typeface="Courier New" panose="02070309020205020404" pitchFamily="49" charset="0"/>
+              </a:rPr>
               <a:t>partioningBy</a:t>
             </a:r>
             <a:r>
-              <a:rPr lang="de-DE" dirty="0" smtClean="0"/>
-              <a:t>()</a:t>
-            </a:r>
+              <a:rPr lang="de-DE" dirty="0" smtClean="0">
+                <a:latin typeface="Courier New" panose="02070309020205020404" pitchFamily="49" charset="0"/>
+                <a:cs typeface="Courier New" panose="02070309020205020404" pitchFamily="49" charset="0"/>
+              </a:rPr>
+              <a:t>()[</a:t>
+            </a:r>
+            <a:r>
+              <a:rPr lang="de-DE" dirty="0" err="1" smtClean="0">
+                <a:latin typeface="Courier New" panose="02070309020205020404" pitchFamily="49" charset="0"/>
+                <a:cs typeface="Courier New" panose="02070309020205020404" pitchFamily="49" charset="0"/>
+              </a:rPr>
+              <a:t>Collectors</a:t>
+            </a:r>
+            <a:r>
+              <a:rPr lang="de-DE" dirty="0">
+                <a:latin typeface="Courier New" panose="02070309020205020404" pitchFamily="49" charset="0"/>
+                <a:cs typeface="Courier New" panose="02070309020205020404" pitchFamily="49" charset="0"/>
+              </a:rPr>
+              <a:t>]</a:t>
+            </a:r>
+            <a:endParaRPr lang="de-DE" dirty="0" smtClean="0">
+              <a:latin typeface="Courier New" panose="02070309020205020404" pitchFamily="49" charset="0"/>
+              <a:cs typeface="Courier New" panose="02070309020205020404" pitchFamily="49" charset="0"/>
+            </a:endParaRPr>
           </a:p>
           <a:p>
             <a:pPr lvl="1"/>
@@ -12025,13 +12293,8 @@
           <a:p>
             <a:r>
               <a:rPr lang="de-DE" dirty="0" smtClean="0"/>
-              <a:t>Fortsetzung </a:t>
-            </a:r>
-            <a:r>
-              <a:rPr lang="de-DE" smtClean="0"/>
-              <a:t>der Aufgabe…</a:t>
-            </a:r>
-            <a:endParaRPr lang="de-DE" dirty="0" smtClean="0"/>
+              <a:t>Fortsetzung der Aufgabe…</a:t>
+            </a:r>
           </a:p>
           <a:p>
             <a:pPr lvl="1"/>
@@ -12049,6 +12312,151 @@
   <p:clrMapOvr>
     <a:masterClrMapping/>
   </p:clrMapOvr>
+  <p:timing>
+    <p:tnLst>
+      <p:par>
+        <p:cTn id="1" dur="indefinite" restart="never" nodeType="tmRoot">
+          <p:childTnLst>
+            <p:seq concurrent="1" nextAc="seek">
+              <p:cTn id="2" dur="indefinite" nodeType="mainSeq">
+                <p:childTnLst>
+                  <p:par>
+                    <p:cTn id="3" fill="hold">
+                      <p:stCondLst>
+                        <p:cond delay="indefinite"/>
+                      </p:stCondLst>
+                      <p:childTnLst>
+                        <p:par>
+                          <p:cTn id="4" fill="hold">
+                            <p:stCondLst>
+                              <p:cond delay="0"/>
+                            </p:stCondLst>
+                            <p:childTnLst>
+                              <p:par>
+                                <p:cTn id="5" presetID="42" presetClass="entr" presetSubtype="0" fill="hold" nodeType="clickEffect">
+                                  <p:stCondLst>
+                                    <p:cond delay="0"/>
+                                  </p:stCondLst>
+                                  <p:childTnLst>
+                                    <p:set>
+                                      <p:cBhvr>
+                                        <p:cTn id="6" dur="1" fill="hold">
+                                          <p:stCondLst>
+                                            <p:cond delay="0"/>
+                                          </p:stCondLst>
+                                        </p:cTn>
+                                        <p:tgtEl>
+                                          <p:spTgt spid="3">
+                                            <p:txEl>
+                                              <p:pRg st="9" end="9"/>
+                                            </p:txEl>
+                                          </p:spTgt>
+                                        </p:tgtEl>
+                                        <p:attrNameLst>
+                                          <p:attrName>style.visibility</p:attrName>
+                                        </p:attrNameLst>
+                                      </p:cBhvr>
+                                      <p:to>
+                                        <p:strVal val="visible"/>
+                                      </p:to>
+                                    </p:set>
+                                    <p:animEffect transition="in" filter="fade">
+                                      <p:cBhvr>
+                                        <p:cTn id="7" dur="1000"/>
+                                        <p:tgtEl>
+                                          <p:spTgt spid="3">
+                                            <p:txEl>
+                                              <p:pRg st="9" end="9"/>
+                                            </p:txEl>
+                                          </p:spTgt>
+                                        </p:tgtEl>
+                                      </p:cBhvr>
+                                    </p:animEffect>
+                                    <p:anim calcmode="lin" valueType="num">
+                                      <p:cBhvr>
+                                        <p:cTn id="8" dur="1000" fill="hold"/>
+                                        <p:tgtEl>
+                                          <p:spTgt spid="3">
+                                            <p:txEl>
+                                              <p:pRg st="9" end="9"/>
+                                            </p:txEl>
+                                          </p:spTgt>
+                                        </p:tgtEl>
+                                        <p:attrNameLst>
+                                          <p:attrName>ppt_x</p:attrName>
+                                        </p:attrNameLst>
+                                      </p:cBhvr>
+                                      <p:tavLst>
+                                        <p:tav tm="0">
+                                          <p:val>
+                                            <p:strVal val="#ppt_x"/>
+                                          </p:val>
+                                        </p:tav>
+                                        <p:tav tm="100000">
+                                          <p:val>
+                                            <p:strVal val="#ppt_x"/>
+                                          </p:val>
+                                        </p:tav>
+                                      </p:tavLst>
+                                    </p:anim>
+                                    <p:anim calcmode="lin" valueType="num">
+                                      <p:cBhvr>
+                                        <p:cTn id="9" dur="1000" fill="hold"/>
+                                        <p:tgtEl>
+                                          <p:spTgt spid="3">
+                                            <p:txEl>
+                                              <p:pRg st="9" end="9"/>
+                                            </p:txEl>
+                                          </p:spTgt>
+                                        </p:tgtEl>
+                                        <p:attrNameLst>
+                                          <p:attrName>ppt_y</p:attrName>
+                                        </p:attrNameLst>
+                                      </p:cBhvr>
+                                      <p:tavLst>
+                                        <p:tav tm="0">
+                                          <p:val>
+                                            <p:strVal val="#ppt_y+.1"/>
+                                          </p:val>
+                                        </p:tav>
+                                        <p:tav tm="100000">
+                                          <p:val>
+                                            <p:strVal val="#ppt_y"/>
+                                          </p:val>
+                                        </p:tav>
+                                      </p:tavLst>
+                                    </p:anim>
+                                  </p:childTnLst>
+                                </p:cTn>
+                              </p:par>
+                            </p:childTnLst>
+                          </p:cTn>
+                        </p:par>
+                      </p:childTnLst>
+                    </p:cTn>
+                  </p:par>
+                </p:childTnLst>
+              </p:cTn>
+              <p:prevCondLst>
+                <p:cond evt="onPrev" delay="0">
+                  <p:tgtEl>
+                    <p:sldTgt/>
+                  </p:tgtEl>
+                </p:cond>
+              </p:prevCondLst>
+              <p:nextCondLst>
+                <p:cond evt="onNext" delay="0">
+                  <p:tgtEl>
+                    <p:sldTgt/>
+                  </p:tgtEl>
+                </p:cond>
+              </p:nextCondLst>
+            </p:seq>
+          </p:childTnLst>
+        </p:cTn>
+      </p:par>
+    </p:tnLst>
+  </p:timing>
 </p:sld>
 </file>
 
@@ -12192,6 +12600,13 @@
   <p:clrMapOvr>
     <a:masterClrMapping/>
   </p:clrMapOvr>
+  <p:timing>
+    <p:tnLst>
+      <p:par>
+        <p:cTn id="1" dur="indefinite" restart="never" nodeType="tmRoot"/>
+      </p:par>
+    </p:tnLst>
+  </p:timing>
 </p:sld>
 </file>
 
@@ -12570,9 +12985,136 @@
   <p:timing>
     <p:tnLst>
       <p:par>
-        <p:cTn id="1" dur="indefinite" restart="never" nodeType="tmRoot"/>
+        <p:cTn id="1" dur="indefinite" restart="never" nodeType="tmRoot">
+          <p:childTnLst>
+            <p:seq concurrent="1" nextAc="seek">
+              <p:cTn id="2" dur="indefinite" nodeType="mainSeq">
+                <p:childTnLst>
+                  <p:par>
+                    <p:cTn id="3" fill="hold">
+                      <p:stCondLst>
+                        <p:cond delay="indefinite"/>
+                      </p:stCondLst>
+                      <p:childTnLst>
+                        <p:par>
+                          <p:cTn id="4" fill="hold">
+                            <p:stCondLst>
+                              <p:cond delay="0"/>
+                            </p:stCondLst>
+                            <p:childTnLst>
+                              <p:par>
+                                <p:cTn id="5" presetID="42" presetClass="entr" presetSubtype="0" fill="hold" grpId="0" nodeType="clickEffect">
+                                  <p:stCondLst>
+                                    <p:cond delay="0"/>
+                                  </p:stCondLst>
+                                  <p:childTnLst>
+                                    <p:set>
+                                      <p:cBhvr>
+                                        <p:cTn id="6" dur="1" fill="hold">
+                                          <p:stCondLst>
+                                            <p:cond delay="0"/>
+                                          </p:stCondLst>
+                                        </p:cTn>
+                                        <p:tgtEl>
+                                          <p:spTgt spid="4"/>
+                                        </p:tgtEl>
+                                        <p:attrNameLst>
+                                          <p:attrName>style.visibility</p:attrName>
+                                        </p:attrNameLst>
+                                      </p:cBhvr>
+                                      <p:to>
+                                        <p:strVal val="visible"/>
+                                      </p:to>
+                                    </p:set>
+                                    <p:animEffect transition="in" filter="fade">
+                                      <p:cBhvr>
+                                        <p:cTn id="7" dur="1000"/>
+                                        <p:tgtEl>
+                                          <p:spTgt spid="4"/>
+                                        </p:tgtEl>
+                                      </p:cBhvr>
+                                    </p:animEffect>
+                                    <p:anim calcmode="lin" valueType="num">
+                                      <p:cBhvr>
+                                        <p:cTn id="8" dur="1000" fill="hold"/>
+                                        <p:tgtEl>
+                                          <p:spTgt spid="4"/>
+                                        </p:tgtEl>
+                                        <p:attrNameLst>
+                                          <p:attrName>ppt_x</p:attrName>
+                                        </p:attrNameLst>
+                                      </p:cBhvr>
+                                      <p:tavLst>
+                                        <p:tav tm="0">
+                                          <p:val>
+                                            <p:strVal val="#ppt_x"/>
+                                          </p:val>
+                                        </p:tav>
+                                        <p:tav tm="100000">
+                                          <p:val>
+                                            <p:strVal val="#ppt_x"/>
+                                          </p:val>
+                                        </p:tav>
+                                      </p:tavLst>
+                                    </p:anim>
+                                    <p:anim calcmode="lin" valueType="num">
+                                      <p:cBhvr>
+                                        <p:cTn id="9" dur="1000" fill="hold"/>
+                                        <p:tgtEl>
+                                          <p:spTgt spid="4"/>
+                                        </p:tgtEl>
+                                        <p:attrNameLst>
+                                          <p:attrName>ppt_y</p:attrName>
+                                        </p:attrNameLst>
+                                      </p:cBhvr>
+                                      <p:tavLst>
+                                        <p:tav tm="0">
+                                          <p:val>
+                                            <p:strVal val="#ppt_y+.1"/>
+                                          </p:val>
+                                        </p:tav>
+                                        <p:tav tm="100000">
+                                          <p:val>
+                                            <p:strVal val="#ppt_y"/>
+                                          </p:val>
+                                        </p:tav>
+                                      </p:tavLst>
+                                    </p:anim>
+                                  </p:childTnLst>
+                                </p:cTn>
+                              </p:par>
+                            </p:childTnLst>
+                          </p:cTn>
+                        </p:par>
+                      </p:childTnLst>
+                    </p:cTn>
+                  </p:par>
+                </p:childTnLst>
+              </p:cTn>
+              <p:prevCondLst>
+                <p:cond evt="onPrev" delay="0">
+                  <p:tgtEl>
+                    <p:sldTgt/>
+                  </p:tgtEl>
+                </p:cond>
+              </p:prevCondLst>
+              <p:nextCondLst>
+                <p:cond evt="onNext" delay="0">
+                  <p:tgtEl>
+                    <p:sldTgt/>
+                  </p:tgtEl>
+                </p:cond>
+              </p:nextCondLst>
+            </p:seq>
+          </p:childTnLst>
+        </p:cTn>
       </p:par>
     </p:tnLst>
+    <p:bldLst>
+      <p:bldGraphic spid="4" grpId="0">
+        <p:bldAsOne/>
+      </p:bldGraphic>
+    </p:bldLst>
   </p:timing>
 </p:sld>
 </file>
@@ -12784,6 +13326,13 @@
   <p:clrMapOvr>
     <a:masterClrMapping/>
   </p:clrMapOvr>
+  <p:timing>
+    <p:tnLst>
+      <p:par>
+        <p:cTn id="1" dur="indefinite" restart="never" nodeType="tmRoot"/>
+      </p:par>
+    </p:tnLst>
+  </p:timing>
 </p:sld>
 </file>
 
@@ -13064,6 +13613,13 @@
   <p:clrMapOvr>
     <a:masterClrMapping/>
   </p:clrMapOvr>
+  <p:timing>
+    <p:tnLst>
+      <p:par>
+        <p:cTn id="1" dur="indefinite" restart="never" nodeType="tmRoot"/>
+      </p:par>
+    </p:tnLst>
+  </p:timing>
 </p:sld>
 </file>
 
@@ -13164,6 +13720,13 @@
   <p:clrMapOvr>
     <a:masterClrMapping/>
   </p:clrMapOvr>
+  <p:timing>
+    <p:tnLst>
+      <p:par>
+        <p:cTn id="1" dur="indefinite" restart="never" nodeType="tmRoot"/>
+      </p:par>
+    </p:tnLst>
+  </p:timing>
 </p:sld>
 </file>
 
@@ -13236,19 +13799,31 @@
           <a:p>
             <a:pPr lvl="1"/>
             <a:r>
-              <a:rPr lang="de-DE" dirty="0" err="1" smtClean="0"/>
+              <a:rPr lang="de-DE" dirty="0" err="1" smtClean="0">
+                <a:latin typeface="Courier New" panose="02070309020205020404" pitchFamily="49" charset="0"/>
+                <a:cs typeface="Courier New" panose="02070309020205020404" pitchFamily="49" charset="0"/>
+              </a:rPr>
               <a:t>filter</a:t>
             </a:r>
             <a:r>
-              <a:rPr lang="de-DE" dirty="0" smtClean="0"/>
+              <a:rPr lang="de-DE" dirty="0" smtClean="0">
+                <a:latin typeface="Courier New" panose="02070309020205020404" pitchFamily="49" charset="0"/>
+                <a:cs typeface="Courier New" panose="02070309020205020404" pitchFamily="49" charset="0"/>
+              </a:rPr>
               <a:t>(</a:t>
             </a:r>
             <a:r>
-              <a:rPr lang="de-DE" dirty="0" err="1" smtClean="0"/>
+              <a:rPr lang="de-DE" dirty="0" err="1" smtClean="0">
+                <a:latin typeface="Courier New" panose="02070309020205020404" pitchFamily="49" charset="0"/>
+                <a:cs typeface="Courier New" panose="02070309020205020404" pitchFamily="49" charset="0"/>
+              </a:rPr>
               <a:t>Predicate</a:t>
             </a:r>
             <a:r>
-              <a:rPr lang="de-DE" dirty="0" smtClean="0"/>
+              <a:rPr lang="de-DE" dirty="0" smtClean="0">
+                <a:latin typeface="Courier New" panose="02070309020205020404" pitchFamily="49" charset="0"/>
+                <a:cs typeface="Courier New" panose="02070309020205020404" pitchFamily="49" charset="0"/>
+              </a:rPr>
               <a:t>&lt;T&gt;)</a:t>
             </a:r>
           </a:p>
@@ -13261,19 +13836,31 @@
           <a:p>
             <a:pPr lvl="1"/>
             <a:r>
-              <a:rPr lang="de-DE" dirty="0" err="1" smtClean="0"/>
+              <a:rPr lang="de-DE" dirty="0" err="1" smtClean="0">
+                <a:latin typeface="Courier New" panose="02070309020205020404" pitchFamily="49" charset="0"/>
+                <a:cs typeface="Courier New" panose="02070309020205020404" pitchFamily="49" charset="0"/>
+              </a:rPr>
               <a:t>map</a:t>
             </a:r>
             <a:r>
-              <a:rPr lang="de-DE" dirty="0" smtClean="0"/>
+              <a:rPr lang="de-DE" dirty="0" smtClean="0">
+                <a:latin typeface="Courier New" panose="02070309020205020404" pitchFamily="49" charset="0"/>
+                <a:cs typeface="Courier New" panose="02070309020205020404" pitchFamily="49" charset="0"/>
+              </a:rPr>
               <a:t>(</a:t>
             </a:r>
             <a:r>
-              <a:rPr lang="de-DE" dirty="0" err="1" smtClean="0"/>
+              <a:rPr lang="de-DE" dirty="0" err="1" smtClean="0">
+                <a:latin typeface="Courier New" panose="02070309020205020404" pitchFamily="49" charset="0"/>
+                <a:cs typeface="Courier New" panose="02070309020205020404" pitchFamily="49" charset="0"/>
+              </a:rPr>
               <a:t>Function</a:t>
             </a:r>
             <a:r>
-              <a:rPr lang="de-DE" dirty="0" smtClean="0"/>
+              <a:rPr lang="de-DE" dirty="0" smtClean="0">
+                <a:latin typeface="Courier New" panose="02070309020205020404" pitchFamily="49" charset="0"/>
+                <a:cs typeface="Courier New" panose="02070309020205020404" pitchFamily="49" charset="0"/>
+              </a:rPr>
               <a:t>&lt;T,R&gt;)</a:t>
             </a:r>
           </a:p>
@@ -13298,12 +13885,22 @@
               <a:t>Spezialfall </a:t>
             </a:r>
             <a:r>
-              <a:rPr lang="de-DE" dirty="0" err="1" smtClean="0"/>
+              <a:rPr lang="de-DE" dirty="0" err="1" smtClean="0">
+                <a:latin typeface="Courier New" panose="02070309020205020404" pitchFamily="49" charset="0"/>
+                <a:cs typeface="Courier New" panose="02070309020205020404" pitchFamily="49" charset="0"/>
+              </a:rPr>
               <a:t>flatMap</a:t>
             </a:r>
             <a:r>
+              <a:rPr lang="de-DE" dirty="0" smtClean="0">
+                <a:latin typeface="Courier New" panose="02070309020205020404" pitchFamily="49" charset="0"/>
+                <a:cs typeface="Courier New" panose="02070309020205020404" pitchFamily="49" charset="0"/>
+              </a:rPr>
+              <a:t>()</a:t>
+            </a:r>
+            <a:r>
               <a:rPr lang="de-DE" dirty="0" smtClean="0"/>
-              <a:t>() für verschachtelte Streams</a:t>
+              <a:t> für verschachtelte Streams</a:t>
             </a:r>
           </a:p>
           <a:p>
@@ -13356,6 +13953,151 @@
   <p:clrMapOvr>
     <a:masterClrMapping/>
   </p:clrMapOvr>
+  <p:timing>
+    <p:tnLst>
+      <p:par>
+        <p:cTn id="1" dur="indefinite" restart="never" nodeType="tmRoot">
+          <p:childTnLst>
+            <p:seq concurrent="1" nextAc="seek">
+              <p:cTn id="2" dur="indefinite" nodeType="mainSeq">
+                <p:childTnLst>
+                  <p:par>
+                    <p:cTn id="3" fill="hold">
+                      <p:stCondLst>
+                        <p:cond delay="indefinite"/>
+                      </p:stCondLst>
+                      <p:childTnLst>
+                        <p:par>
+                          <p:cTn id="4" fill="hold">
+                            <p:stCondLst>
+                              <p:cond delay="0"/>
+                            </p:stCondLst>
+                            <p:childTnLst>
+                              <p:par>
+                                <p:cTn id="5" presetID="42" presetClass="entr" presetSubtype="0" fill="hold" nodeType="clickEffect">
+                                  <p:stCondLst>
+                                    <p:cond delay="0"/>
+                                  </p:stCondLst>
+                                  <p:childTnLst>
+                                    <p:set>
+                                      <p:cBhvr>
+                                        <p:cTn id="6" dur="1" fill="hold">
+                                          <p:stCondLst>
+                                            <p:cond delay="0"/>
+                                          </p:stCondLst>
+                                        </p:cTn>
+                                        <p:tgtEl>
+                                          <p:spTgt spid="3">
+                                            <p:txEl>
+                                              <p:pRg st="8" end="8"/>
+                                            </p:txEl>
+                                          </p:spTgt>
+                                        </p:tgtEl>
+                                        <p:attrNameLst>
+                                          <p:attrName>style.visibility</p:attrName>
+                                        </p:attrNameLst>
+                                      </p:cBhvr>
+                                      <p:to>
+                                        <p:strVal val="visible"/>
+                                      </p:to>
+                                    </p:set>
+                                    <p:animEffect transition="in" filter="fade">
+                                      <p:cBhvr>
+                                        <p:cTn id="7" dur="1000"/>
+                                        <p:tgtEl>
+                                          <p:spTgt spid="3">
+                                            <p:txEl>
+                                              <p:pRg st="8" end="8"/>
+                                            </p:txEl>
+                                          </p:spTgt>
+                                        </p:tgtEl>
+                                      </p:cBhvr>
+                                    </p:animEffect>
+                                    <p:anim calcmode="lin" valueType="num">
+                                      <p:cBhvr>
+                                        <p:cTn id="8" dur="1000" fill="hold"/>
+                                        <p:tgtEl>
+                                          <p:spTgt spid="3">
+                                            <p:txEl>
+                                              <p:pRg st="8" end="8"/>
+                                            </p:txEl>
+                                          </p:spTgt>
+                                        </p:tgtEl>
+                                        <p:attrNameLst>
+                                          <p:attrName>ppt_x</p:attrName>
+                                        </p:attrNameLst>
+                                      </p:cBhvr>
+                                      <p:tavLst>
+                                        <p:tav tm="0">
+                                          <p:val>
+                                            <p:strVal val="#ppt_x"/>
+                                          </p:val>
+                                        </p:tav>
+                                        <p:tav tm="100000">
+                                          <p:val>
+                                            <p:strVal val="#ppt_x"/>
+                                          </p:val>
+                                        </p:tav>
+                                      </p:tavLst>
+                                    </p:anim>
+                                    <p:anim calcmode="lin" valueType="num">
+                                      <p:cBhvr>
+                                        <p:cTn id="9" dur="1000" fill="hold"/>
+                                        <p:tgtEl>
+                                          <p:spTgt spid="3">
+                                            <p:txEl>
+                                              <p:pRg st="8" end="8"/>
+                                            </p:txEl>
+                                          </p:spTgt>
+                                        </p:tgtEl>
+                                        <p:attrNameLst>
+                                          <p:attrName>ppt_y</p:attrName>
+                                        </p:attrNameLst>
+                                      </p:cBhvr>
+                                      <p:tavLst>
+                                        <p:tav tm="0">
+                                          <p:val>
+                                            <p:strVal val="#ppt_y+.1"/>
+                                          </p:val>
+                                        </p:tav>
+                                        <p:tav tm="100000">
+                                          <p:val>
+                                            <p:strVal val="#ppt_y"/>
+                                          </p:val>
+                                        </p:tav>
+                                      </p:tavLst>
+                                    </p:anim>
+                                  </p:childTnLst>
+                                </p:cTn>
+                              </p:par>
+                            </p:childTnLst>
+                          </p:cTn>
+                        </p:par>
+                      </p:childTnLst>
+                    </p:cTn>
+                  </p:par>
+                </p:childTnLst>
+              </p:cTn>
+              <p:prevCondLst>
+                <p:cond evt="onPrev" delay="0">
+                  <p:tgtEl>
+                    <p:sldTgt/>
+                  </p:tgtEl>
+                </p:cond>
+              </p:prevCondLst>
+              <p:nextCondLst>
+                <p:cond evt="onNext" delay="0">
+                  <p:tgtEl>
+                    <p:sldTgt/>
+                  </p:tgtEl>
+                </p:cond>
+              </p:nextCondLst>
+            </p:seq>
+          </p:childTnLst>
+        </p:cTn>
+      </p:par>
+    </p:tnLst>
+  </p:timing>
 </p:sld>
 </file>
 

--- a/res/Java_8_Neuerungen_2.pptx
+++ b/res/Java_8_Neuerungen_2.pptx
@@ -1950,24 +1950,24 @@
     </dgm:pt>
   </dgm:ptLst>
   <dgm:cxnLst>
-    <dgm:cxn modelId="{946FF948-55E0-47BD-9AEF-33321863B3B0}" type="presOf" srcId="{68628799-B8D6-4C20-BE99-ADF6197A6129}" destId="{56D44C64-33B6-4623-8684-634A378ABF8E}" srcOrd="0" destOrd="0" presId="urn:microsoft.com/office/officeart/2005/8/layout/gear1"/>
+    <dgm:cxn modelId="{959F9BDD-7154-48F2-9BE8-D4CF0CD20CDC}" type="presOf" srcId="{0FA93451-E1D0-4EE2-B567-2B3A7F8C7C48}" destId="{6C6BF556-0A0E-4434-835A-BA9113182F24}" srcOrd="1" destOrd="0" presId="urn:microsoft.com/office/officeart/2005/8/layout/gear1"/>
+    <dgm:cxn modelId="{54E50247-4062-44E3-B2D6-F4B5569C71C4}" srcId="{4401DE04-F170-4B9C-91C7-326543F5A6B6}" destId="{68628799-B8D6-4C20-BE99-ADF6197A6129}" srcOrd="2" destOrd="0" parTransId="{1E0AF607-2DB5-4A6D-AC13-77E4FC83420E}" sibTransId="{2C6E2ECD-965D-42A3-B2F5-D201402D2324}"/>
+    <dgm:cxn modelId="{CF3EEA7D-FC8C-44E7-BDC6-111EF747EC03}" type="presOf" srcId="{0FA93451-E1D0-4EE2-B567-2B3A7F8C7C48}" destId="{5C1000EC-1DD2-4E66-B33E-577CF7D7AA78}" srcOrd="0" destOrd="0" presId="urn:microsoft.com/office/officeart/2005/8/layout/gear1"/>
     <dgm:cxn modelId="{731B35F2-E9AD-412B-AC0C-101AC3A60467}" type="presOf" srcId="{0FA93451-E1D0-4EE2-B567-2B3A7F8C7C48}" destId="{403A4DF8-F0AE-44F3-939F-74666E01E648}" srcOrd="2" destOrd="0" presId="urn:microsoft.com/office/officeart/2005/8/layout/gear1"/>
-    <dgm:cxn modelId="{5A7A6E0B-1C7C-4FFC-A76B-1AD77DC9081B}" srcId="{4401DE04-F170-4B9C-91C7-326543F5A6B6}" destId="{0FA93451-E1D0-4EE2-B567-2B3A7F8C7C48}" srcOrd="0" destOrd="0" parTransId="{1368849B-ACCF-48C1-BC2A-D076B1A067A5}" sibTransId="{6B6D8FDD-0882-4116-9A4D-1C857441BBC2}"/>
-    <dgm:cxn modelId="{CF3EEA7D-FC8C-44E7-BDC6-111EF747EC03}" type="presOf" srcId="{0FA93451-E1D0-4EE2-B567-2B3A7F8C7C48}" destId="{5C1000EC-1DD2-4E66-B33E-577CF7D7AA78}" srcOrd="0" destOrd="0" presId="urn:microsoft.com/office/officeart/2005/8/layout/gear1"/>
     <dgm:cxn modelId="{F5F5B4EA-D4DD-4D2B-947F-9B5F3B5F2876}" srcId="{4401DE04-F170-4B9C-91C7-326543F5A6B6}" destId="{CF551120-156F-4C4E-8793-45A9EE443E8D}" srcOrd="3" destOrd="0" parTransId="{14208972-636B-4AB9-9C14-73DCAE940202}" sibTransId="{D41F23E9-165C-4364-975B-B32D96BBF976}"/>
-    <dgm:cxn modelId="{959F9BDD-7154-48F2-9BE8-D4CF0CD20CDC}" type="presOf" srcId="{0FA93451-E1D0-4EE2-B567-2B3A7F8C7C48}" destId="{6C6BF556-0A0E-4434-835A-BA9113182F24}" srcOrd="1" destOrd="0" presId="urn:microsoft.com/office/officeart/2005/8/layout/gear1"/>
-    <dgm:cxn modelId="{094CF315-FA87-45A0-9AFE-94858F453961}" type="presOf" srcId="{6B6D8FDD-0882-4116-9A4D-1C857441BBC2}" destId="{A2181B2F-3480-4641-A869-A453A00E4D8F}" srcOrd="0" destOrd="0" presId="urn:microsoft.com/office/officeart/2005/8/layout/gear1"/>
-    <dgm:cxn modelId="{53986C0C-34B9-49CF-BC1F-3938C4EB689D}" type="presOf" srcId="{68628799-B8D6-4C20-BE99-ADF6197A6129}" destId="{2B6B938F-6309-4761-8336-C6D639E19E24}" srcOrd="2" destOrd="0" presId="urn:microsoft.com/office/officeart/2005/8/layout/gear1"/>
-    <dgm:cxn modelId="{3E49352B-B6CE-480A-9B39-FC2AE611B16C}" type="presOf" srcId="{669A433C-B176-4F59-9A29-0DF69DC45B10}" destId="{F2A44AFB-B6CF-4283-B9BB-CD21D464C7C4}" srcOrd="0" destOrd="0" presId="urn:microsoft.com/office/officeart/2005/8/layout/gear1"/>
-    <dgm:cxn modelId="{54E50247-4062-44E3-B2D6-F4B5569C71C4}" srcId="{4401DE04-F170-4B9C-91C7-326543F5A6B6}" destId="{68628799-B8D6-4C20-BE99-ADF6197A6129}" srcOrd="2" destOrd="0" parTransId="{1E0AF607-2DB5-4A6D-AC13-77E4FC83420E}" sibTransId="{2C6E2ECD-965D-42A3-B2F5-D201402D2324}"/>
     <dgm:cxn modelId="{1CB73DBA-AC3A-4783-9097-2D5F7B9D2BE9}" type="presOf" srcId="{669A433C-B176-4F59-9A29-0DF69DC45B10}" destId="{D55184B0-FEAB-4A23-A3CA-4DCBD2487F37}" srcOrd="2" destOrd="0" presId="urn:microsoft.com/office/officeart/2005/8/layout/gear1"/>
     <dgm:cxn modelId="{44B9315A-E3F5-438E-BDC3-7D13DC293F72}" type="presOf" srcId="{2C6E2ECD-965D-42A3-B2F5-D201402D2324}" destId="{ADD0E052-4ECC-4078-BA76-D60859226F77}" srcOrd="0" destOrd="0" presId="urn:microsoft.com/office/officeart/2005/8/layout/gear1"/>
+    <dgm:cxn modelId="{477CCF74-99B6-4F6E-A6C8-3890B6065AEF}" type="presOf" srcId="{68628799-B8D6-4C20-BE99-ADF6197A6129}" destId="{06CC79CC-BDD4-482B-B7D6-2C553CC5820F}" srcOrd="1" destOrd="0" presId="urn:microsoft.com/office/officeart/2005/8/layout/gear1"/>
+    <dgm:cxn modelId="{7BCFC55F-3E76-432F-A43A-B707DF9CD605}" type="presOf" srcId="{669A433C-B176-4F59-9A29-0DF69DC45B10}" destId="{A5AE58F3-476A-4DA2-B045-006254D34C78}" srcOrd="1" destOrd="0" presId="urn:microsoft.com/office/officeart/2005/8/layout/gear1"/>
+    <dgm:cxn modelId="{C22C9B47-DEDD-401A-BFC8-972801148516}" type="presOf" srcId="{4401DE04-F170-4B9C-91C7-326543F5A6B6}" destId="{83F918DE-2378-4ADC-AC1C-3BEE83D4E19F}" srcOrd="0" destOrd="0" presId="urn:microsoft.com/office/officeart/2005/8/layout/gear1"/>
+    <dgm:cxn modelId="{DD3AD257-244D-459C-8623-DCB34ED91080}" type="presOf" srcId="{E917853C-A2BF-4D57-9304-7A4711679C87}" destId="{8CE9CE32-C39F-48A6-A583-7AEDF45C8F7C}" srcOrd="0" destOrd="0" presId="urn:microsoft.com/office/officeart/2005/8/layout/gear1"/>
+    <dgm:cxn modelId="{094CF315-FA87-45A0-9AFE-94858F453961}" type="presOf" srcId="{6B6D8FDD-0882-4116-9A4D-1C857441BBC2}" destId="{A2181B2F-3480-4641-A869-A453A00E4D8F}" srcOrd="0" destOrd="0" presId="urn:microsoft.com/office/officeart/2005/8/layout/gear1"/>
+    <dgm:cxn modelId="{F584E2E9-D53B-47BA-AB81-DB597691DFAB}" type="presOf" srcId="{68628799-B8D6-4C20-BE99-ADF6197A6129}" destId="{04A4AB52-AED4-43A2-B2A4-85CC82E42043}" srcOrd="3" destOrd="0" presId="urn:microsoft.com/office/officeart/2005/8/layout/gear1"/>
+    <dgm:cxn modelId="{5A7A6E0B-1C7C-4FFC-A76B-1AD77DC9081B}" srcId="{4401DE04-F170-4B9C-91C7-326543F5A6B6}" destId="{0FA93451-E1D0-4EE2-B567-2B3A7F8C7C48}" srcOrd="0" destOrd="0" parTransId="{1368849B-ACCF-48C1-BC2A-D076B1A067A5}" sibTransId="{6B6D8FDD-0882-4116-9A4D-1C857441BBC2}"/>
+    <dgm:cxn modelId="{3E49352B-B6CE-480A-9B39-FC2AE611B16C}" type="presOf" srcId="{669A433C-B176-4F59-9A29-0DF69DC45B10}" destId="{F2A44AFB-B6CF-4283-B9BB-CD21D464C7C4}" srcOrd="0" destOrd="0" presId="urn:microsoft.com/office/officeart/2005/8/layout/gear1"/>
+    <dgm:cxn modelId="{946FF948-55E0-47BD-9AEF-33321863B3B0}" type="presOf" srcId="{68628799-B8D6-4C20-BE99-ADF6197A6129}" destId="{56D44C64-33B6-4623-8684-634A378ABF8E}" srcOrd="0" destOrd="0" presId="urn:microsoft.com/office/officeart/2005/8/layout/gear1"/>
     <dgm:cxn modelId="{6245C5FC-1518-4FE2-9A2F-5C14D5EF2B07}" srcId="{4401DE04-F170-4B9C-91C7-326543F5A6B6}" destId="{669A433C-B176-4F59-9A29-0DF69DC45B10}" srcOrd="1" destOrd="0" parTransId="{AFFC3327-3CC0-48D5-AFED-9A1E43381A22}" sibTransId="{E917853C-A2BF-4D57-9304-7A4711679C87}"/>
-    <dgm:cxn modelId="{DD3AD257-244D-459C-8623-DCB34ED91080}" type="presOf" srcId="{E917853C-A2BF-4D57-9304-7A4711679C87}" destId="{8CE9CE32-C39F-48A6-A583-7AEDF45C8F7C}" srcOrd="0" destOrd="0" presId="urn:microsoft.com/office/officeart/2005/8/layout/gear1"/>
-    <dgm:cxn modelId="{C22C9B47-DEDD-401A-BFC8-972801148516}" type="presOf" srcId="{4401DE04-F170-4B9C-91C7-326543F5A6B6}" destId="{83F918DE-2378-4ADC-AC1C-3BEE83D4E19F}" srcOrd="0" destOrd="0" presId="urn:microsoft.com/office/officeart/2005/8/layout/gear1"/>
-    <dgm:cxn modelId="{F584E2E9-D53B-47BA-AB81-DB597691DFAB}" type="presOf" srcId="{68628799-B8D6-4C20-BE99-ADF6197A6129}" destId="{04A4AB52-AED4-43A2-B2A4-85CC82E42043}" srcOrd="3" destOrd="0" presId="urn:microsoft.com/office/officeart/2005/8/layout/gear1"/>
-    <dgm:cxn modelId="{7BCFC55F-3E76-432F-A43A-B707DF9CD605}" type="presOf" srcId="{669A433C-B176-4F59-9A29-0DF69DC45B10}" destId="{A5AE58F3-476A-4DA2-B045-006254D34C78}" srcOrd="1" destOrd="0" presId="urn:microsoft.com/office/officeart/2005/8/layout/gear1"/>
-    <dgm:cxn modelId="{477CCF74-99B6-4F6E-A6C8-3890B6065AEF}" type="presOf" srcId="{68628799-B8D6-4C20-BE99-ADF6197A6129}" destId="{06CC79CC-BDD4-482B-B7D6-2C553CC5820F}" srcOrd="1" destOrd="0" presId="urn:microsoft.com/office/officeart/2005/8/layout/gear1"/>
+    <dgm:cxn modelId="{53986C0C-34B9-49CF-BC1F-3938C4EB689D}" type="presOf" srcId="{68628799-B8D6-4C20-BE99-ADF6197A6129}" destId="{2B6B938F-6309-4761-8336-C6D639E19E24}" srcOrd="2" destOrd="0" presId="urn:microsoft.com/office/officeart/2005/8/layout/gear1"/>
     <dgm:cxn modelId="{F47CCF9E-C9AB-45F0-97C1-908C2B92F18D}" type="presParOf" srcId="{83F918DE-2378-4ADC-AC1C-3BEE83D4E19F}" destId="{5C1000EC-1DD2-4E66-B33E-577CF7D7AA78}" srcOrd="0" destOrd="0" presId="urn:microsoft.com/office/officeart/2005/8/layout/gear1"/>
     <dgm:cxn modelId="{D5B8C4E9-BB86-424A-981E-B5B0C0463DAD}" type="presParOf" srcId="{83F918DE-2378-4ADC-AC1C-3BEE83D4E19F}" destId="{6C6BF556-0A0E-4434-835A-BA9113182F24}" srcOrd="1" destOrd="0" presId="urn:microsoft.com/office/officeart/2005/8/layout/gear1"/>
     <dgm:cxn modelId="{877EBDFB-BF55-4117-8E2B-7AB61860F87D}" type="presParOf" srcId="{83F918DE-2378-4ADC-AC1C-3BEE83D4E19F}" destId="{403A4DF8-F0AE-44F3-939F-74666E01E648}" srcOrd="2" destOrd="0" presId="urn:microsoft.com/office/officeart/2005/8/layout/gear1"/>
@@ -6606,7 +6606,7 @@
           <a:p>
             <a:fld id="{8BBC7C32-B2C6-4784-8E38-AF79FF3C34F1}" type="datetimeFigureOut">
               <a:rPr lang="de-DE" smtClean="0"/>
-              <a:t>01.03.2016</a:t>
+              <a:t>03.03.2016</a:t>
             </a:fld>
             <a:endParaRPr lang="de-DE"/>
           </a:p>
@@ -7475,7 +7475,7 @@
           <a:p>
             <a:fld id="{8BBC7C32-B2C6-4784-8E38-AF79FF3C34F1}" type="datetimeFigureOut">
               <a:rPr lang="de-DE" smtClean="0"/>
-              <a:t>01.03.2016</a:t>
+              <a:t>03.03.2016</a:t>
             </a:fld>
             <a:endParaRPr lang="de-DE"/>
           </a:p>
@@ -7650,7 +7650,7 @@
           <a:p>
             <a:fld id="{8BBC7C32-B2C6-4784-8E38-AF79FF3C34F1}" type="datetimeFigureOut">
               <a:rPr lang="de-DE" smtClean="0"/>
-              <a:t>01.03.2016</a:t>
+              <a:t>03.03.2016</a:t>
             </a:fld>
             <a:endParaRPr lang="de-DE"/>
           </a:p>
@@ -7820,7 +7820,7 @@
           <a:p>
             <a:fld id="{8BBC7C32-B2C6-4784-8E38-AF79FF3C34F1}" type="datetimeFigureOut">
               <a:rPr lang="de-DE" smtClean="0"/>
-              <a:t>01.03.2016</a:t>
+              <a:t>03.03.2016</a:t>
             </a:fld>
             <a:endParaRPr lang="de-DE"/>
           </a:p>
@@ -8030,7 +8030,7 @@
           <a:p>
             <a:fld id="{8BBC7C32-B2C6-4784-8E38-AF79FF3C34F1}" type="datetimeFigureOut">
               <a:rPr lang="de-DE" smtClean="0"/>
-              <a:t>01.03.2016</a:t>
+              <a:t>03.03.2016</a:t>
             </a:fld>
             <a:endParaRPr lang="de-DE"/>
           </a:p>
@@ -8844,7 +8844,7 @@
           <a:p>
             <a:fld id="{8BBC7C32-B2C6-4784-8E38-AF79FF3C34F1}" type="datetimeFigureOut">
               <a:rPr lang="de-DE" smtClean="0"/>
-              <a:t>01.03.2016</a:t>
+              <a:t>03.03.2016</a:t>
             </a:fld>
             <a:endParaRPr lang="de-DE"/>
           </a:p>
@@ -9080,7 +9080,7 @@
           <a:p>
             <a:fld id="{8BBC7C32-B2C6-4784-8E38-AF79FF3C34F1}" type="datetimeFigureOut">
               <a:rPr lang="de-DE" smtClean="0"/>
-              <a:t>01.03.2016</a:t>
+              <a:t>03.03.2016</a:t>
             </a:fld>
             <a:endParaRPr lang="de-DE"/>
           </a:p>
@@ -9403,7 +9403,7 @@
           <a:p>
             <a:fld id="{8BBC7C32-B2C6-4784-8E38-AF79FF3C34F1}" type="datetimeFigureOut">
               <a:rPr lang="de-DE" smtClean="0"/>
-              <a:t>01.03.2016</a:t>
+              <a:t>03.03.2016</a:t>
             </a:fld>
             <a:endParaRPr lang="de-DE"/>
           </a:p>
@@ -9493,7 +9493,7 @@
           <a:p>
             <a:fld id="{8BBC7C32-B2C6-4784-8E38-AF79FF3C34F1}" type="datetimeFigureOut">
               <a:rPr lang="de-DE" smtClean="0"/>
-              <a:t>01.03.2016</a:t>
+              <a:t>03.03.2016</a:t>
             </a:fld>
             <a:endParaRPr lang="de-DE"/>
           </a:p>
@@ -10010,7 +10010,7 @@
           <a:p>
             <a:fld id="{8BBC7C32-B2C6-4784-8E38-AF79FF3C34F1}" type="datetimeFigureOut">
               <a:rPr lang="de-DE" smtClean="0"/>
-              <a:t>01.03.2016</a:t>
+              <a:t>03.03.2016</a:t>
             </a:fld>
             <a:endParaRPr lang="de-DE"/>
           </a:p>
@@ -10521,7 +10521,7 @@
           <a:p>
             <a:fld id="{8BBC7C32-B2C6-4784-8E38-AF79FF3C34F1}" type="datetimeFigureOut">
               <a:rPr lang="de-DE" smtClean="0"/>
-              <a:t>01.03.2016</a:t>
+              <a:t>03.03.2016</a:t>
             </a:fld>
             <a:endParaRPr lang="de-DE"/>
           </a:p>
@@ -10766,7 +10766,7 @@
           <a:p>
             <a:fld id="{8BBC7C32-B2C6-4784-8E38-AF79FF3C34F1}" type="datetimeFigureOut">
               <a:rPr lang="de-DE" smtClean="0"/>
-              <a:t>01.03.2016</a:t>
+              <a:t>03.03.2016</a:t>
             </a:fld>
             <a:endParaRPr lang="de-DE"/>
           </a:p>
@@ -12153,15 +12153,7 @@
             <a:pPr lvl="1"/>
             <a:r>
               <a:rPr lang="de-DE" dirty="0" smtClean="0"/>
-              <a:t>Zum </a:t>
-            </a:r>
-            <a:r>
-              <a:rPr lang="de-DE" dirty="0" smtClean="0"/>
-              <a:t>Zusammenfassen </a:t>
-            </a:r>
-            <a:r>
-              <a:rPr lang="de-DE" dirty="0" smtClean="0"/>
-              <a:t>von Elementen gleichen Typs</a:t>
+              <a:t>Zum Zusammenfassen von Elementen gleichen Typs</a:t>
             </a:r>
           </a:p>
           <a:p>
@@ -12907,7 +12899,14 @@
               <a:rPr lang="de-DE" dirty="0" smtClean="0">
                 <a:cs typeface="Courier New" panose="02070309020205020404" pitchFamily="49" charset="0"/>
               </a:rPr>
-              <a:t>Erweiterung der Interfaces wie List&lt;E&gt;</a:t>
+              <a:t>Erweiterung der Interfaces wie </a:t>
+            </a:r>
+            <a:r>
+              <a:rPr lang="de-DE" dirty="0" smtClean="0">
+                <a:latin typeface="Courier New" panose="02070309020205020404" pitchFamily="49" charset="0"/>
+                <a:cs typeface="Courier New" panose="02070309020205020404" pitchFamily="49" charset="0"/>
+              </a:rPr>
+              <a:t>List&lt;E&gt;</a:t>
             </a:r>
           </a:p>
           <a:p>
